--- a/新的異象新的方向(崇拜版).pptx
+++ b/新的異象新的方向(崇拜版).pptx
@@ -5,12 +5,17 @@
     <p:sldMasterId id="2147483660" r:id="rId1"/>
   </p:sldMasterIdLst>
   <p:sldIdLst>
-    <p:sldId id="256" r:id="rId2"/>
-    <p:sldId id="260" r:id="rId3"/>
-    <p:sldId id="261" r:id="rId4"/>
-    <p:sldId id="262" r:id="rId5"/>
+    <p:sldId id="263" r:id="rId2"/>
+    <p:sldId id="264" r:id="rId3"/>
+    <p:sldId id="265" r:id="rId4"/>
+    <p:sldId id="266" r:id="rId5"/>
+    <p:sldId id="267" r:id="rId6"/>
+    <p:sldId id="268" r:id="rId7"/>
+    <p:sldId id="269" r:id="rId8"/>
+    <p:sldId id="270" r:id="rId9"/>
+    <p:sldId id="271" r:id="rId10"/>
   </p:sldIdLst>
-  <p:sldSz cx="9144000" cy="6858000" type="screen4x3"/>
+  <p:sldSz cx="12192000" cy="6858000"/>
   <p:notesSz cx="6858000" cy="9144000"/>
   <p:defaultTextStyle>
     <a:defPPr>
@@ -107,6 +112,22 @@
       </a:defRPr>
     </a:lvl9pPr>
   </p:defaultTextStyle>
+  <p:extLst>
+    <p:ext uri="{EFAFB233-063F-42B5-8137-9DF3F51BA10A}">
+      <p15:sldGuideLst xmlns:p15="http://schemas.microsoft.com/office/powerpoint/2012/main">
+        <p15:guide id="1" orient="horz" pos="2160" userDrawn="1">
+          <p15:clr>
+            <a:srgbClr val="A4A3A4"/>
+          </p15:clr>
+        </p15:guide>
+        <p15:guide id="2" pos="3840" userDrawn="1">
+          <p15:clr>
+            <a:srgbClr val="A4A3A4"/>
+          </p15:clr>
+        </p15:guide>
+      </p15:sldGuideLst>
+    </p:ext>
+  </p:extLst>
 </p:presentation>
 </file>
 
@@ -139,8 +160,8 @@
         </p:nvSpPr>
         <p:spPr>
           <a:xfrm>
-            <a:off x="685800" y="2130425"/>
-            <a:ext cx="7772400" cy="1470025"/>
+            <a:off x="914400" y="2130426"/>
+            <a:ext cx="10363200" cy="1470025"/>
           </a:xfrm>
         </p:spPr>
         <p:txBody>
@@ -167,8 +188,8 @@
         </p:nvSpPr>
         <p:spPr>
           <a:xfrm>
-            <a:off x="1371600" y="3886200"/>
-            <a:ext cx="6400800" cy="1752600"/>
+            <a:off x="1828800" y="3886200"/>
+            <a:ext cx="8534400" cy="1752600"/>
           </a:xfrm>
         </p:spPr>
         <p:txBody>
@@ -292,7 +313,7 @@
             <a:fld id="{FB8A5CCA-48C9-44B6-AD2F-BEE1D3EDC71B}" type="datetimeFigureOut">
               <a:rPr lang="zh-TW" altLang="en-US" smtClean="0"/>
               <a:pPr/>
-              <a:t>2017/8/23</a:t>
+              <a:t>2021/2/26</a:t>
             </a:fld>
             <a:endParaRPr lang="zh-TW" altLang="en-US"/>
           </a:p>
@@ -459,7 +480,7 @@
             <a:fld id="{FB8A5CCA-48C9-44B6-AD2F-BEE1D3EDC71B}" type="datetimeFigureOut">
               <a:rPr lang="zh-TW" altLang="en-US" smtClean="0"/>
               <a:pPr/>
-              <a:t>2017/8/23</a:t>
+              <a:t>2021/2/26</a:t>
             </a:fld>
             <a:endParaRPr lang="zh-TW" altLang="en-US"/>
           </a:p>
@@ -545,8 +566,8 @@
         </p:nvSpPr>
         <p:spPr>
           <a:xfrm>
-            <a:off x="6629400" y="274638"/>
-            <a:ext cx="2057400" cy="5851525"/>
+            <a:off x="8839200" y="274639"/>
+            <a:ext cx="2743200" cy="5851525"/>
           </a:xfrm>
         </p:spPr>
         <p:txBody>
@@ -573,8 +594,8 @@
         </p:nvSpPr>
         <p:spPr>
           <a:xfrm>
-            <a:off x="457200" y="274638"/>
-            <a:ext cx="6019800" cy="5851525"/>
+            <a:off x="609600" y="274639"/>
+            <a:ext cx="8026400" cy="5851525"/>
           </a:xfrm>
         </p:spPr>
         <p:txBody>
@@ -636,7 +657,7 @@
             <a:fld id="{FB8A5CCA-48C9-44B6-AD2F-BEE1D3EDC71B}" type="datetimeFigureOut">
               <a:rPr lang="zh-TW" altLang="en-US" smtClean="0"/>
               <a:pPr/>
-              <a:t>2017/8/23</a:t>
+              <a:t>2021/2/26</a:t>
             </a:fld>
             <a:endParaRPr lang="zh-TW" altLang="en-US"/>
           </a:p>
@@ -803,7 +824,7 @@
             <a:fld id="{FB8A5CCA-48C9-44B6-AD2F-BEE1D3EDC71B}" type="datetimeFigureOut">
               <a:rPr lang="zh-TW" altLang="en-US" smtClean="0"/>
               <a:pPr/>
-              <a:t>2017/8/23</a:t>
+              <a:t>2021/2/26</a:t>
             </a:fld>
             <a:endParaRPr lang="zh-TW" altLang="en-US"/>
           </a:p>
@@ -889,8 +910,8 @@
         </p:nvSpPr>
         <p:spPr>
           <a:xfrm>
-            <a:off x="722313" y="4406900"/>
-            <a:ext cx="7772400" cy="1362075"/>
+            <a:off x="963084" y="4406901"/>
+            <a:ext cx="10363200" cy="1362075"/>
           </a:xfrm>
         </p:spPr>
         <p:txBody>
@@ -921,8 +942,8 @@
         </p:nvSpPr>
         <p:spPr>
           <a:xfrm>
-            <a:off x="722313" y="2906713"/>
-            <a:ext cx="7772400" cy="1500187"/>
+            <a:off x="963084" y="2906713"/>
+            <a:ext cx="10363200" cy="1500187"/>
           </a:xfrm>
         </p:spPr>
         <p:txBody>
@@ -1046,7 +1067,7 @@
             <a:fld id="{FB8A5CCA-48C9-44B6-AD2F-BEE1D3EDC71B}" type="datetimeFigureOut">
               <a:rPr lang="zh-TW" altLang="en-US" smtClean="0"/>
               <a:pPr/>
-              <a:t>2017/8/23</a:t>
+              <a:t>2021/2/26</a:t>
             </a:fld>
             <a:endParaRPr lang="zh-TW" altLang="en-US"/>
           </a:p>
@@ -1155,8 +1176,8 @@
         </p:nvSpPr>
         <p:spPr>
           <a:xfrm>
-            <a:off x="457200" y="1600200"/>
-            <a:ext cx="4038600" cy="4525963"/>
+            <a:off x="609600" y="1600201"/>
+            <a:ext cx="5384800" cy="4525963"/>
           </a:xfrm>
         </p:spPr>
         <p:txBody>
@@ -1240,8 +1261,8 @@
         </p:nvSpPr>
         <p:spPr>
           <a:xfrm>
-            <a:off x="4648200" y="1600200"/>
-            <a:ext cx="4038600" cy="4525963"/>
+            <a:off x="6197600" y="1600201"/>
+            <a:ext cx="5384800" cy="4525963"/>
           </a:xfrm>
         </p:spPr>
         <p:txBody>
@@ -1331,7 +1352,7 @@
             <a:fld id="{FB8A5CCA-48C9-44B6-AD2F-BEE1D3EDC71B}" type="datetimeFigureOut">
               <a:rPr lang="zh-TW" altLang="en-US" smtClean="0"/>
               <a:pPr/>
-              <a:t>2017/8/23</a:t>
+              <a:t>2021/2/26</a:t>
             </a:fld>
             <a:endParaRPr lang="zh-TW" altLang="en-US"/>
           </a:p>
@@ -1444,8 +1465,8 @@
         </p:nvSpPr>
         <p:spPr>
           <a:xfrm>
-            <a:off x="457200" y="1535113"/>
-            <a:ext cx="4040188" cy="639762"/>
+            <a:off x="609600" y="1535113"/>
+            <a:ext cx="5386917" cy="639762"/>
           </a:xfrm>
         </p:spPr>
         <p:txBody>
@@ -1509,8 +1530,8 @@
         </p:nvSpPr>
         <p:spPr>
           <a:xfrm>
-            <a:off x="457200" y="2174875"/>
-            <a:ext cx="4040188" cy="3951288"/>
+            <a:off x="609600" y="2174875"/>
+            <a:ext cx="5386917" cy="3951288"/>
           </a:xfrm>
         </p:spPr>
         <p:txBody>
@@ -1594,8 +1615,8 @@
         </p:nvSpPr>
         <p:spPr>
           <a:xfrm>
-            <a:off x="4645025" y="1535113"/>
-            <a:ext cx="4041775" cy="639762"/>
+            <a:off x="6193368" y="1535113"/>
+            <a:ext cx="5389033" cy="639762"/>
           </a:xfrm>
         </p:spPr>
         <p:txBody>
@@ -1659,8 +1680,8 @@
         </p:nvSpPr>
         <p:spPr>
           <a:xfrm>
-            <a:off x="4645025" y="2174875"/>
-            <a:ext cx="4041775" cy="3951288"/>
+            <a:off x="6193368" y="2174875"/>
+            <a:ext cx="5389033" cy="3951288"/>
           </a:xfrm>
         </p:spPr>
         <p:txBody>
@@ -1750,7 +1771,7 @@
             <a:fld id="{FB8A5CCA-48C9-44B6-AD2F-BEE1D3EDC71B}" type="datetimeFigureOut">
               <a:rPr lang="zh-TW" altLang="en-US" smtClean="0"/>
               <a:pPr/>
-              <a:t>2017/8/23</a:t>
+              <a:t>2021/2/26</a:t>
             </a:fld>
             <a:endParaRPr lang="zh-TW" altLang="en-US"/>
           </a:p>
@@ -1865,7 +1886,7 @@
             <a:fld id="{FB8A5CCA-48C9-44B6-AD2F-BEE1D3EDC71B}" type="datetimeFigureOut">
               <a:rPr lang="zh-TW" altLang="en-US" smtClean="0"/>
               <a:pPr/>
-              <a:t>2017/8/23</a:t>
+              <a:t>2021/2/26</a:t>
             </a:fld>
             <a:endParaRPr lang="zh-TW" altLang="en-US"/>
           </a:p>
@@ -1957,7 +1978,7 @@
             <a:fld id="{FB8A5CCA-48C9-44B6-AD2F-BEE1D3EDC71B}" type="datetimeFigureOut">
               <a:rPr lang="zh-TW" altLang="en-US" smtClean="0"/>
               <a:pPr/>
-              <a:t>2017/8/23</a:t>
+              <a:t>2021/2/26</a:t>
             </a:fld>
             <a:endParaRPr lang="zh-TW" altLang="en-US"/>
           </a:p>
@@ -2043,8 +2064,8 @@
         </p:nvSpPr>
         <p:spPr>
           <a:xfrm>
-            <a:off x="457200" y="273050"/>
-            <a:ext cx="3008313" cy="1162050"/>
+            <a:off x="609601" y="273050"/>
+            <a:ext cx="4011084" cy="1162050"/>
           </a:xfrm>
         </p:spPr>
         <p:txBody>
@@ -2075,8 +2096,8 @@
         </p:nvSpPr>
         <p:spPr>
           <a:xfrm>
-            <a:off x="3575050" y="273050"/>
-            <a:ext cx="5111750" cy="5853113"/>
+            <a:off x="4766733" y="273051"/>
+            <a:ext cx="6815667" cy="5853113"/>
           </a:xfrm>
         </p:spPr>
         <p:txBody>
@@ -2160,8 +2181,8 @@
         </p:nvSpPr>
         <p:spPr>
           <a:xfrm>
-            <a:off x="457200" y="1435100"/>
-            <a:ext cx="3008313" cy="4691063"/>
+            <a:off x="609601" y="1435101"/>
+            <a:ext cx="4011084" cy="4691063"/>
           </a:xfrm>
         </p:spPr>
         <p:txBody>
@@ -2231,7 +2252,7 @@
             <a:fld id="{FB8A5CCA-48C9-44B6-AD2F-BEE1D3EDC71B}" type="datetimeFigureOut">
               <a:rPr lang="zh-TW" altLang="en-US" smtClean="0"/>
               <a:pPr/>
-              <a:t>2017/8/23</a:t>
+              <a:t>2021/2/26</a:t>
             </a:fld>
             <a:endParaRPr lang="zh-TW" altLang="en-US"/>
           </a:p>
@@ -2317,8 +2338,8 @@
         </p:nvSpPr>
         <p:spPr>
           <a:xfrm>
-            <a:off x="1792288" y="4800600"/>
-            <a:ext cx="5486400" cy="566738"/>
+            <a:off x="2389717" y="4800600"/>
+            <a:ext cx="7315200" cy="566738"/>
           </a:xfrm>
         </p:spPr>
         <p:txBody>
@@ -2349,8 +2370,8 @@
         </p:nvSpPr>
         <p:spPr>
           <a:xfrm>
-            <a:off x="1792288" y="612775"/>
-            <a:ext cx="5486400" cy="4114800"/>
+            <a:off x="2389717" y="612775"/>
+            <a:ext cx="7315200" cy="4114800"/>
           </a:xfrm>
         </p:spPr>
         <p:txBody>
@@ -2414,8 +2435,8 @@
         </p:nvSpPr>
         <p:spPr>
           <a:xfrm>
-            <a:off x="1792288" y="5367338"/>
-            <a:ext cx="5486400" cy="804862"/>
+            <a:off x="2389717" y="5367338"/>
+            <a:ext cx="7315200" cy="804862"/>
           </a:xfrm>
         </p:spPr>
         <p:txBody>
@@ -2485,7 +2506,7 @@
             <a:fld id="{FB8A5CCA-48C9-44B6-AD2F-BEE1D3EDC71B}" type="datetimeFigureOut">
               <a:rPr lang="zh-TW" altLang="en-US" smtClean="0"/>
               <a:pPr/>
-              <a:t>2017/8/23</a:t>
+              <a:t>2021/2/26</a:t>
             </a:fld>
             <a:endParaRPr lang="zh-TW" altLang="en-US"/>
           </a:p>
@@ -2581,8 +2602,8 @@
         </p:nvSpPr>
         <p:spPr>
           <a:xfrm>
-            <a:off x="457200" y="274638"/>
-            <a:ext cx="8229600" cy="1143000"/>
+            <a:off x="609600" y="274638"/>
+            <a:ext cx="10972800" cy="1143000"/>
           </a:xfrm>
           <a:prstGeom prst="rect">
             <a:avLst/>
@@ -2614,8 +2635,8 @@
         </p:nvSpPr>
         <p:spPr>
           <a:xfrm>
-            <a:off x="457200" y="1600200"/>
-            <a:ext cx="8229600" cy="4525963"/>
+            <a:off x="609600" y="1600201"/>
+            <a:ext cx="10972800" cy="4525963"/>
           </a:xfrm>
           <a:prstGeom prst="rect">
             <a:avLst/>
@@ -2676,8 +2697,8 @@
         </p:nvSpPr>
         <p:spPr>
           <a:xfrm>
-            <a:off x="457200" y="6356350"/>
-            <a:ext cx="2133600" cy="365125"/>
+            <a:off x="609600" y="6356351"/>
+            <a:ext cx="2844800" cy="365125"/>
           </a:xfrm>
           <a:prstGeom prst="rect">
             <a:avLst/>
@@ -2700,7 +2721,7 @@
             <a:fld id="{FB8A5CCA-48C9-44B6-AD2F-BEE1D3EDC71B}" type="datetimeFigureOut">
               <a:rPr lang="zh-TW" altLang="en-US" smtClean="0"/>
               <a:pPr/>
-              <a:t>2017/8/23</a:t>
+              <a:t>2021/2/26</a:t>
             </a:fld>
             <a:endParaRPr lang="zh-TW" altLang="en-US"/>
           </a:p>
@@ -2718,8 +2739,8 @@
         </p:nvSpPr>
         <p:spPr>
           <a:xfrm>
-            <a:off x="3124200" y="6356350"/>
-            <a:ext cx="2895600" cy="365125"/>
+            <a:off x="4165600" y="6356351"/>
+            <a:ext cx="3860800" cy="365125"/>
           </a:xfrm>
           <a:prstGeom prst="rect">
             <a:avLst/>
@@ -2755,8 +2776,8 @@
         </p:nvSpPr>
         <p:spPr>
           <a:xfrm>
-            <a:off x="6553200" y="6356350"/>
-            <a:ext cx="2133600" cy="365125"/>
+            <a:off x="8737600" y="6356351"/>
+            <a:ext cx="2844800" cy="365125"/>
           </a:xfrm>
           <a:prstGeom prst="rect">
             <a:avLst/>
@@ -3081,223 +3102,61 @@
             <p:ph type="title"/>
           </p:nvPr>
         </p:nvSpPr>
-        <p:spPr/>
+        <p:spPr>
+          <a:xfrm>
+            <a:off x="0" y="2857513"/>
+            <a:ext cx="12192000" cy="1143000"/>
+          </a:xfrm>
+        </p:spPr>
         <p:txBody>
           <a:bodyPr>
-            <a:normAutofit/>
+            <a:noAutofit/>
           </a:bodyPr>
           <a:lstStyle/>
           <a:p>
             <a:r>
-              <a:rPr lang="zh-TW" altLang="en-US" b="1" dirty="0">
+              <a:rPr lang="zh-TW" altLang="en-US" sz="7200" b="1" i="1" dirty="0">
                 <a:solidFill>
-                  <a:srgbClr val="000066"/>
+                  <a:srgbClr val="660033"/>
                 </a:solidFill>
+                <a:effectLst>
+                  <a:outerShdw blurRad="38100" dist="38100" dir="2700000" algn="tl">
+                    <a:srgbClr val="000000">
+                      <a:alpha val="43137"/>
+                    </a:srgbClr>
+                  </a:outerShdw>
+                </a:effectLst>
                 <a:latin typeface="微軟正黑體" pitchFamily="34" charset="-120"/>
                 <a:ea typeface="微軟正黑體" pitchFamily="34" charset="-120"/>
               </a:rPr>
-              <a:t>新的異</a:t>
-            </a:r>
-            <a:r>
-              <a:rPr lang="zh-TW" altLang="en-US" b="1" dirty="0" smtClean="0">
+              <a:t>新</a:t>
+            </a:r>
+            <a:r>
+              <a:rPr lang="zh-TW" altLang="en-US" sz="7200" b="1" i="1" dirty="0">
                 <a:solidFill>
-                  <a:srgbClr val="000066"/>
+                  <a:srgbClr val="660033"/>
                 </a:solidFill>
+                <a:effectLst>
+                  <a:outerShdw blurRad="38100" dist="38100" dir="2700000" algn="tl">
+                    <a:srgbClr val="000000">
+                      <a:alpha val="43137"/>
+                    </a:srgbClr>
+                  </a:outerShdw>
+                </a:effectLst>
                 <a:latin typeface="微軟正黑體" pitchFamily="34" charset="-120"/>
                 <a:ea typeface="微軟正黑體" pitchFamily="34" charset="-120"/>
               </a:rPr>
-              <a:t>象  新</a:t>
-            </a:r>
-            <a:r>
-              <a:rPr lang="zh-TW" altLang="en-US" b="1" dirty="0">
-                <a:solidFill>
-                  <a:srgbClr val="000066"/>
-                </a:solidFill>
-                <a:latin typeface="微軟正黑體" pitchFamily="34" charset="-120"/>
-                <a:ea typeface="微軟正黑體" pitchFamily="34" charset="-120"/>
-              </a:rPr>
-              <a:t>的</a:t>
-            </a:r>
-            <a:r>
-              <a:rPr lang="zh-TW" altLang="en-US" b="1" dirty="0" smtClean="0">
-                <a:solidFill>
-                  <a:srgbClr val="000066"/>
-                </a:solidFill>
-                <a:latin typeface="微軟正黑體" pitchFamily="34" charset="-120"/>
-                <a:ea typeface="微軟正黑體" pitchFamily="34" charset="-120"/>
-              </a:rPr>
-              <a:t>方向</a:t>
-            </a:r>
-            <a:endParaRPr lang="zh-TW" altLang="en-US" b="1" dirty="0">
-              <a:solidFill>
-                <a:srgbClr val="000066"/>
-              </a:solidFill>
-              <a:latin typeface="微軟正黑體" pitchFamily="34" charset="-120"/>
-              <a:ea typeface="微軟正黑體" pitchFamily="34" charset="-120"/>
-            </a:endParaRPr>
-          </a:p>
-        </p:txBody>
-      </p:sp>
-      <p:sp>
-        <p:nvSpPr>
-          <p:cNvPr id="5" name="內容版面配置區 4"/>
-          <p:cNvSpPr>
-            <a:spLocks noGrp="1"/>
-          </p:cNvSpPr>
-          <p:nvPr>
-            <p:ph idx="1"/>
-          </p:nvPr>
-        </p:nvSpPr>
-        <p:spPr/>
-        <p:txBody>
-          <a:bodyPr>
-            <a:normAutofit/>
-          </a:bodyPr>
-          <a:lstStyle/>
-          <a:p>
-            <a:pPr algn="ctr">
-              <a:buNone/>
-            </a:pPr>
-            <a:r>
-              <a:rPr lang="zh-TW" altLang="en-US" sz="5400" b="1" dirty="0">
-                <a:solidFill>
-                  <a:srgbClr val="000066"/>
-                </a:solidFill>
-                <a:latin typeface="微軟正黑體" pitchFamily="34" charset="-120"/>
-                <a:ea typeface="微軟正黑體" pitchFamily="34" charset="-120"/>
-              </a:rPr>
-              <a:t>有敬拜的聲音</a:t>
-            </a:r>
-            <a:r>
-              <a:rPr lang="zh-TW" altLang="en-US" sz="5400" b="1" dirty="0" smtClean="0">
-                <a:solidFill>
-                  <a:srgbClr val="000066"/>
-                </a:solidFill>
-                <a:latin typeface="微軟正黑體" pitchFamily="34" charset="-120"/>
-                <a:ea typeface="微軟正黑體" pitchFamily="34" charset="-120"/>
-              </a:rPr>
-              <a:t>發出</a:t>
-            </a:r>
-            <a:endParaRPr lang="en-US" altLang="zh-TW" sz="5400" b="1" dirty="0">
-              <a:solidFill>
-                <a:srgbClr val="000066"/>
-              </a:solidFill>
-              <a:latin typeface="微軟正黑體" pitchFamily="34" charset="-120"/>
-              <a:ea typeface="微軟正黑體" pitchFamily="34" charset="-120"/>
-            </a:endParaRPr>
-          </a:p>
-          <a:p>
-            <a:pPr algn="ctr">
-              <a:buNone/>
-            </a:pPr>
-            <a:r>
-              <a:rPr lang="zh-TW" altLang="en-US" sz="5400" b="1" dirty="0" smtClean="0">
-                <a:solidFill>
-                  <a:srgbClr val="000066"/>
-                </a:solidFill>
-                <a:latin typeface="微軟正黑體" pitchFamily="34" charset="-120"/>
-                <a:ea typeface="微軟正黑體" pitchFamily="34" charset="-120"/>
-              </a:rPr>
-              <a:t>從</a:t>
-            </a:r>
-            <a:r>
-              <a:rPr lang="zh-TW" altLang="en-US" sz="5400" b="1" dirty="0">
-                <a:solidFill>
-                  <a:srgbClr val="000066"/>
-                </a:solidFill>
-                <a:latin typeface="微軟正黑體" pitchFamily="34" charset="-120"/>
-                <a:ea typeface="微軟正黑體" pitchFamily="34" charset="-120"/>
-              </a:rPr>
-              <a:t>最高的山到海洋</a:t>
-            </a:r>
-            <a:r>
-              <a:rPr lang="zh-TW" altLang="en-US" sz="5400" b="1" dirty="0" smtClean="0">
-                <a:solidFill>
-                  <a:srgbClr val="000066"/>
-                </a:solidFill>
-                <a:latin typeface="微軟正黑體" pitchFamily="34" charset="-120"/>
-                <a:ea typeface="微軟正黑體" pitchFamily="34" charset="-120"/>
-              </a:rPr>
-              <a:t>深處</a:t>
-            </a:r>
-            <a:endParaRPr lang="en-US" altLang="zh-TW" sz="5400" b="1" dirty="0">
-              <a:solidFill>
-                <a:srgbClr val="000066"/>
-              </a:solidFill>
-              <a:latin typeface="微軟正黑體" pitchFamily="34" charset="-120"/>
-              <a:ea typeface="微軟正黑體" pitchFamily="34" charset="-120"/>
-            </a:endParaRPr>
-          </a:p>
-          <a:p>
-            <a:pPr algn="ctr">
-              <a:buNone/>
-            </a:pPr>
-            <a:r>
-              <a:rPr lang="zh-TW" altLang="en-US" sz="5400" b="1" dirty="0" smtClean="0">
-                <a:solidFill>
-                  <a:srgbClr val="000066"/>
-                </a:solidFill>
-                <a:latin typeface="微軟正黑體" pitchFamily="34" charset="-120"/>
-                <a:ea typeface="微軟正黑體" pitchFamily="34" charset="-120"/>
-              </a:rPr>
-              <a:t>神</a:t>
-            </a:r>
-            <a:r>
-              <a:rPr lang="zh-TW" altLang="en-US" sz="5400" b="1" dirty="0">
-                <a:solidFill>
-                  <a:srgbClr val="000066"/>
-                </a:solidFill>
-                <a:latin typeface="微軟正黑體" pitchFamily="34" charset="-120"/>
-                <a:ea typeface="微軟正黑體" pitchFamily="34" charset="-120"/>
-              </a:rPr>
-              <a:t>的兒女要唱一首新</a:t>
-            </a:r>
-            <a:r>
-              <a:rPr lang="zh-TW" altLang="en-US" sz="5400" b="1" dirty="0" smtClean="0">
-                <a:solidFill>
-                  <a:srgbClr val="000066"/>
-                </a:solidFill>
-                <a:latin typeface="微軟正黑體" pitchFamily="34" charset="-120"/>
-                <a:ea typeface="微軟正黑體" pitchFamily="34" charset="-120"/>
-              </a:rPr>
-              <a:t>歌</a:t>
-            </a:r>
-            <a:endParaRPr lang="en-US" altLang="zh-TW" sz="5400" b="1" dirty="0">
-              <a:solidFill>
-                <a:srgbClr val="000066"/>
-              </a:solidFill>
-              <a:latin typeface="微軟正黑體" pitchFamily="34" charset="-120"/>
-              <a:ea typeface="微軟正黑體" pitchFamily="34" charset="-120"/>
-            </a:endParaRPr>
-          </a:p>
-          <a:p>
-            <a:pPr algn="ctr">
-              <a:buNone/>
-            </a:pPr>
-            <a:r>
-              <a:rPr lang="zh-TW" altLang="en-US" sz="5400" b="1" dirty="0" smtClean="0">
-                <a:solidFill>
-                  <a:srgbClr val="000066"/>
-                </a:solidFill>
-                <a:latin typeface="微軟正黑體" pitchFamily="34" charset="-120"/>
-                <a:ea typeface="微軟正黑體" pitchFamily="34" charset="-120"/>
-              </a:rPr>
-              <a:t>我們</a:t>
-            </a:r>
-            <a:r>
-              <a:rPr lang="zh-TW" altLang="en-US" sz="5400" b="1" dirty="0">
-                <a:solidFill>
-                  <a:srgbClr val="000066"/>
-                </a:solidFill>
-                <a:latin typeface="微軟正黑體" pitchFamily="34" charset="-120"/>
-                <a:ea typeface="微軟正黑體" pitchFamily="34" charset="-120"/>
-              </a:rPr>
-              <a:t>神要做新事</a:t>
+              <a:t>的異象  新的方向</a:t>
             </a:r>
           </a:p>
         </p:txBody>
       </p:sp>
     </p:spTree>
+    <p:extLst>
+      <p:ext uri="{BB962C8B-B14F-4D97-AF65-F5344CB8AC3E}">
+        <p14:creationId xmlns:p14="http://schemas.microsoft.com/office/powerpoint/2010/main" val="1354491720"/>
+      </p:ext>
+    </p:extLst>
   </p:cSld>
   <p:clrMapOvr>
     <a:masterClrMapping/>
@@ -3324,64 +3183,64 @@
       </p:grpSpPr>
       <p:sp>
         <p:nvSpPr>
-          <p:cNvPr id="4" name="標題 3"/>
-          <p:cNvSpPr>
-            <a:spLocks noGrp="1"/>
-          </p:cNvSpPr>
-          <p:nvPr>
-            <p:ph type="title"/>
-          </p:nvPr>
-        </p:nvSpPr>
-        <p:spPr/>
-        <p:txBody>
-          <a:bodyPr>
+          <p:cNvPr id="5" name="內容版面配置區 4"/>
+          <p:cNvSpPr>
+            <a:spLocks noGrp="1"/>
+          </p:cNvSpPr>
+          <p:nvPr>
+            <p:ph idx="1"/>
+          </p:nvPr>
+        </p:nvSpPr>
+        <p:spPr>
+          <a:xfrm>
+            <a:off x="0" y="2084853"/>
+            <a:ext cx="12192000" cy="2404863"/>
+          </a:xfrm>
+        </p:spPr>
+        <p:txBody>
+          <a:bodyPr anchor="ctr">
             <a:normAutofit/>
           </a:bodyPr>
           <a:lstStyle/>
           <a:p>
-            <a:r>
-              <a:rPr lang="zh-TW" altLang="en-US" b="1" dirty="0">
+            <a:pPr algn="ctr">
+              <a:buNone/>
+            </a:pPr>
+            <a:r>
+              <a:rPr lang="zh-TW" altLang="en-US" sz="6400" b="1" dirty="0">
                 <a:solidFill>
-                  <a:srgbClr val="000066"/>
+                  <a:srgbClr val="660033"/>
                 </a:solidFill>
                 <a:latin typeface="微軟正黑體" pitchFamily="34" charset="-120"/>
                 <a:ea typeface="微軟正黑體" pitchFamily="34" charset="-120"/>
               </a:rPr>
-              <a:t>新的異</a:t>
-            </a:r>
-            <a:r>
-              <a:rPr lang="zh-TW" altLang="en-US" b="1" dirty="0" smtClean="0">
+              <a:t>有敬拜的聲音發出</a:t>
+            </a:r>
+            <a:endParaRPr lang="en-US" altLang="zh-TW" sz="6400" b="1" dirty="0">
+              <a:solidFill>
+                <a:srgbClr val="660033"/>
+              </a:solidFill>
+              <a:latin typeface="微軟正黑體" pitchFamily="34" charset="-120"/>
+              <a:ea typeface="微軟正黑體" pitchFamily="34" charset="-120"/>
+            </a:endParaRPr>
+          </a:p>
+          <a:p>
+            <a:pPr algn="ctr">
+              <a:buNone/>
+            </a:pPr>
+            <a:r>
+              <a:rPr lang="zh-TW" altLang="en-US" sz="6400" b="1" dirty="0">
                 <a:solidFill>
-                  <a:srgbClr val="000066"/>
+                  <a:srgbClr val="660033"/>
                 </a:solidFill>
                 <a:latin typeface="微軟正黑體" pitchFamily="34" charset="-120"/>
                 <a:ea typeface="微軟正黑體" pitchFamily="34" charset="-120"/>
               </a:rPr>
-              <a:t>象  新</a:t>
-            </a:r>
-            <a:r>
-              <a:rPr lang="zh-TW" altLang="en-US" b="1" dirty="0">
-                <a:solidFill>
-                  <a:srgbClr val="000066"/>
-                </a:solidFill>
-                <a:latin typeface="微軟正黑體" pitchFamily="34" charset="-120"/>
-                <a:ea typeface="微軟正黑體" pitchFamily="34" charset="-120"/>
-              </a:rPr>
-              <a:t>的</a:t>
-            </a:r>
-            <a:r>
-              <a:rPr lang="zh-TW" altLang="en-US" b="1" dirty="0" smtClean="0">
-                <a:solidFill>
-                  <a:srgbClr val="000066"/>
-                </a:solidFill>
-                <a:latin typeface="微軟正黑體" pitchFamily="34" charset="-120"/>
-                <a:ea typeface="微軟正黑體" pitchFamily="34" charset="-120"/>
-              </a:rPr>
-              <a:t>方向</a:t>
-            </a:r>
-            <a:endParaRPr lang="zh-TW" altLang="en-US" b="1" dirty="0">
+              <a:t>從最高的山到海洋深處</a:t>
+            </a:r>
+            <a:endParaRPr lang="en-US" altLang="zh-TW" sz="6400" b="1" dirty="0">
               <a:solidFill>
-                <a:srgbClr val="000066"/>
+                <a:srgbClr val="660033"/>
               </a:solidFill>
               <a:latin typeface="微軟正黑體" pitchFamily="34" charset="-120"/>
               <a:ea typeface="微軟正黑體" pitchFamily="34" charset="-120"/>
@@ -3389,113 +3248,12 @@
           </a:p>
         </p:txBody>
       </p:sp>
-      <p:sp>
-        <p:nvSpPr>
-          <p:cNvPr id="5" name="內容版面配置區 4"/>
-          <p:cNvSpPr>
-            <a:spLocks noGrp="1"/>
-          </p:cNvSpPr>
-          <p:nvPr>
-            <p:ph idx="1"/>
-          </p:nvPr>
-        </p:nvSpPr>
-        <p:spPr/>
-        <p:txBody>
-          <a:bodyPr>
-            <a:normAutofit/>
-          </a:bodyPr>
-          <a:lstStyle/>
-          <a:p>
-            <a:pPr algn="ctr">
-              <a:buNone/>
-            </a:pPr>
-            <a:r>
-              <a:rPr lang="zh-TW" altLang="en-US" sz="5400" b="1" dirty="0" smtClean="0">
-                <a:solidFill>
-                  <a:srgbClr val="000066"/>
-                </a:solidFill>
-                <a:latin typeface="微軟正黑體" pitchFamily="34" charset="-120"/>
-                <a:ea typeface="微軟正黑體" pitchFamily="34" charset="-120"/>
-              </a:rPr>
-              <a:t>舊的事都已經過去</a:t>
-            </a:r>
-            <a:endParaRPr lang="en-US" altLang="zh-TW" sz="5400" b="1" dirty="0" smtClean="0">
-              <a:solidFill>
-                <a:srgbClr val="000066"/>
-              </a:solidFill>
-              <a:latin typeface="微軟正黑體" pitchFamily="34" charset="-120"/>
-              <a:ea typeface="微軟正黑體" pitchFamily="34" charset="-120"/>
-            </a:endParaRPr>
-          </a:p>
-          <a:p>
-            <a:pPr algn="ctr">
-              <a:buNone/>
-            </a:pPr>
-            <a:r>
-              <a:rPr lang="zh-TW" altLang="en-US" sz="5400" b="1" dirty="0" smtClean="0">
-                <a:solidFill>
-                  <a:srgbClr val="000066"/>
-                </a:solidFill>
-                <a:latin typeface="微軟正黑體" pitchFamily="34" charset="-120"/>
-                <a:ea typeface="微軟正黑體" pitchFamily="34" charset="-120"/>
-              </a:rPr>
-              <a:t>在基督裡一切都要更新</a:t>
-            </a:r>
-            <a:endParaRPr lang="en-US" altLang="zh-TW" sz="5400" b="1" dirty="0" smtClean="0">
-              <a:solidFill>
-                <a:srgbClr val="000066"/>
-              </a:solidFill>
-              <a:latin typeface="微軟正黑體" pitchFamily="34" charset="-120"/>
-              <a:ea typeface="微軟正黑體" pitchFamily="34" charset="-120"/>
-            </a:endParaRPr>
-          </a:p>
-          <a:p>
-            <a:pPr algn="ctr">
-              <a:buNone/>
-            </a:pPr>
-            <a:r>
-              <a:rPr lang="zh-TW" altLang="en-US" sz="5400" b="1" dirty="0" smtClean="0">
-                <a:solidFill>
-                  <a:srgbClr val="000066"/>
-                </a:solidFill>
-                <a:latin typeface="微軟正黑體" pitchFamily="34" charset="-120"/>
-                <a:ea typeface="微軟正黑體" pitchFamily="34" charset="-120"/>
-              </a:rPr>
-              <a:t>新的眼界 新的異象</a:t>
-            </a:r>
-            <a:endParaRPr lang="en-US" altLang="zh-TW" sz="5400" b="1" dirty="0" smtClean="0">
-              <a:solidFill>
-                <a:srgbClr val="000066"/>
-              </a:solidFill>
-              <a:latin typeface="微軟正黑體" pitchFamily="34" charset="-120"/>
-              <a:ea typeface="微軟正黑體" pitchFamily="34" charset="-120"/>
-            </a:endParaRPr>
-          </a:p>
-          <a:p>
-            <a:pPr algn="ctr">
-              <a:buNone/>
-            </a:pPr>
-            <a:r>
-              <a:rPr lang="zh-TW" altLang="en-US" sz="5400" b="1" dirty="0" smtClean="0">
-                <a:solidFill>
-                  <a:srgbClr val="000066"/>
-                </a:solidFill>
-                <a:latin typeface="微軟正黑體" pitchFamily="34" charset="-120"/>
-                <a:ea typeface="微軟正黑體" pitchFamily="34" charset="-120"/>
-              </a:rPr>
-              <a:t>新的故事 新的方向</a:t>
-            </a:r>
-            <a:endParaRPr lang="zh-TW" altLang="en-US" sz="5400" b="1" dirty="0">
-              <a:solidFill>
-                <a:srgbClr val="000066"/>
-              </a:solidFill>
-              <a:latin typeface="微軟正黑體" pitchFamily="34" charset="-120"/>
-              <a:ea typeface="微軟正黑體" pitchFamily="34" charset="-120"/>
-            </a:endParaRPr>
-          </a:p>
-        </p:txBody>
-      </p:sp>
     </p:spTree>
+    <p:extLst>
+      <p:ext uri="{BB962C8B-B14F-4D97-AF65-F5344CB8AC3E}">
+        <p14:creationId xmlns:p14="http://schemas.microsoft.com/office/powerpoint/2010/main" val="230890882"/>
+      </p:ext>
+    </p:extLst>
   </p:cSld>
   <p:clrMapOvr>
     <a:masterClrMapping/>
@@ -3522,64 +3280,64 @@
       </p:grpSpPr>
       <p:sp>
         <p:nvSpPr>
-          <p:cNvPr id="4" name="標題 3"/>
-          <p:cNvSpPr>
-            <a:spLocks noGrp="1"/>
-          </p:cNvSpPr>
-          <p:nvPr>
-            <p:ph type="title"/>
-          </p:nvPr>
-        </p:nvSpPr>
-        <p:spPr/>
-        <p:txBody>
-          <a:bodyPr>
+          <p:cNvPr id="5" name="內容版面配置區 4"/>
+          <p:cNvSpPr>
+            <a:spLocks noGrp="1"/>
+          </p:cNvSpPr>
+          <p:nvPr>
+            <p:ph idx="1"/>
+          </p:nvPr>
+        </p:nvSpPr>
+        <p:spPr>
+          <a:xfrm>
+            <a:off x="0" y="2084853"/>
+            <a:ext cx="12192000" cy="2404863"/>
+          </a:xfrm>
+        </p:spPr>
+        <p:txBody>
+          <a:bodyPr anchor="ctr">
             <a:normAutofit/>
           </a:bodyPr>
           <a:lstStyle/>
           <a:p>
-            <a:r>
-              <a:rPr lang="zh-TW" altLang="en-US" b="1" dirty="0">
+            <a:pPr algn="ctr">
+              <a:buNone/>
+            </a:pPr>
+            <a:r>
+              <a:rPr lang="zh-TW" altLang="en-US" sz="6400" b="1" dirty="0">
                 <a:solidFill>
-                  <a:srgbClr val="000066"/>
+                  <a:srgbClr val="660033"/>
                 </a:solidFill>
                 <a:latin typeface="微軟正黑體" pitchFamily="34" charset="-120"/>
                 <a:ea typeface="微軟正黑體" pitchFamily="34" charset="-120"/>
               </a:rPr>
-              <a:t>新的異</a:t>
-            </a:r>
-            <a:r>
-              <a:rPr lang="zh-TW" altLang="en-US" b="1" dirty="0" smtClean="0">
+              <a:t>神的兒女要唱一首新歌</a:t>
+            </a:r>
+            <a:endParaRPr lang="en-US" altLang="zh-TW" sz="6400" b="1" dirty="0">
+              <a:solidFill>
+                <a:srgbClr val="660033"/>
+              </a:solidFill>
+              <a:latin typeface="微軟正黑體" pitchFamily="34" charset="-120"/>
+              <a:ea typeface="微軟正黑體" pitchFamily="34" charset="-120"/>
+            </a:endParaRPr>
+          </a:p>
+          <a:p>
+            <a:pPr algn="ctr">
+              <a:buNone/>
+            </a:pPr>
+            <a:r>
+              <a:rPr lang="zh-TW" altLang="en-US" sz="6400" b="1" dirty="0">
                 <a:solidFill>
-                  <a:srgbClr val="000066"/>
+                  <a:srgbClr val="660033"/>
                 </a:solidFill>
                 <a:latin typeface="微軟正黑體" pitchFamily="34" charset="-120"/>
                 <a:ea typeface="微軟正黑體" pitchFamily="34" charset="-120"/>
               </a:rPr>
-              <a:t>象  新</a:t>
-            </a:r>
-            <a:r>
-              <a:rPr lang="zh-TW" altLang="en-US" b="1" dirty="0">
-                <a:solidFill>
-                  <a:srgbClr val="000066"/>
-                </a:solidFill>
-                <a:latin typeface="微軟正黑體" pitchFamily="34" charset="-120"/>
-                <a:ea typeface="微軟正黑體" pitchFamily="34" charset="-120"/>
-              </a:rPr>
-              <a:t>的</a:t>
-            </a:r>
-            <a:r>
-              <a:rPr lang="zh-TW" altLang="en-US" b="1" dirty="0" smtClean="0">
-                <a:solidFill>
-                  <a:srgbClr val="000066"/>
-                </a:solidFill>
-                <a:latin typeface="微軟正黑體" pitchFamily="34" charset="-120"/>
-                <a:ea typeface="微軟正黑體" pitchFamily="34" charset="-120"/>
-              </a:rPr>
-              <a:t>方向</a:t>
-            </a:r>
-            <a:endParaRPr lang="zh-TW" altLang="en-US" b="1" dirty="0">
+              <a:t>我們神要做新事</a:t>
+            </a:r>
+            <a:endParaRPr lang="zh-TW" altLang="en-US" sz="6400" b="1" dirty="0">
               <a:solidFill>
-                <a:srgbClr val="000066"/>
+                <a:srgbClr val="660033"/>
               </a:solidFill>
               <a:latin typeface="微軟正黑體" pitchFamily="34" charset="-120"/>
               <a:ea typeface="微軟正黑體" pitchFamily="34" charset="-120"/>
@@ -3587,113 +3345,12 @@
           </a:p>
         </p:txBody>
       </p:sp>
-      <p:sp>
-        <p:nvSpPr>
-          <p:cNvPr id="5" name="內容版面配置區 4"/>
-          <p:cNvSpPr>
-            <a:spLocks noGrp="1"/>
-          </p:cNvSpPr>
-          <p:nvPr>
-            <p:ph idx="1"/>
-          </p:nvPr>
-        </p:nvSpPr>
-        <p:spPr/>
-        <p:txBody>
-          <a:bodyPr>
-            <a:normAutofit/>
-          </a:bodyPr>
-          <a:lstStyle/>
-          <a:p>
-            <a:pPr algn="ctr">
-              <a:buNone/>
-            </a:pPr>
-            <a:r>
-              <a:rPr lang="zh-TW" altLang="en-US" sz="5400" b="1" dirty="0" smtClean="0">
-                <a:solidFill>
-                  <a:srgbClr val="000066"/>
-                </a:solidFill>
-                <a:latin typeface="微軟正黑體" pitchFamily="34" charset="-120"/>
-                <a:ea typeface="微軟正黑體" pitchFamily="34" charset="-120"/>
-              </a:rPr>
-              <a:t>全地都要渴望呼喊</a:t>
-            </a:r>
-            <a:endParaRPr lang="en-US" altLang="zh-TW" sz="5400" b="1" dirty="0" smtClean="0">
-              <a:solidFill>
-                <a:srgbClr val="000066"/>
-              </a:solidFill>
-              <a:latin typeface="微軟正黑體" pitchFamily="34" charset="-120"/>
-              <a:ea typeface="微軟正黑體" pitchFamily="34" charset="-120"/>
-            </a:endParaRPr>
-          </a:p>
-          <a:p>
-            <a:pPr algn="ctr">
-              <a:buNone/>
-            </a:pPr>
-            <a:r>
-              <a:rPr lang="zh-TW" altLang="en-US" sz="5400" b="1" dirty="0" smtClean="0">
-                <a:solidFill>
-                  <a:srgbClr val="000066"/>
-                </a:solidFill>
-                <a:latin typeface="微軟正黑體" pitchFamily="34" charset="-120"/>
-                <a:ea typeface="微軟正黑體" pitchFamily="34" charset="-120"/>
-              </a:rPr>
-              <a:t>榮耀的主我願祢來</a:t>
-            </a:r>
-            <a:endParaRPr lang="en-US" altLang="zh-TW" sz="5400" b="1" dirty="0" smtClean="0">
-              <a:solidFill>
-                <a:srgbClr val="000066"/>
-              </a:solidFill>
-              <a:latin typeface="微軟正黑體" pitchFamily="34" charset="-120"/>
-              <a:ea typeface="微軟正黑體" pitchFamily="34" charset="-120"/>
-            </a:endParaRPr>
-          </a:p>
-          <a:p>
-            <a:pPr algn="ctr">
-              <a:buNone/>
-            </a:pPr>
-            <a:r>
-              <a:rPr lang="zh-TW" altLang="en-US" sz="5400" b="1" dirty="0" smtClean="0">
-                <a:solidFill>
-                  <a:srgbClr val="000066"/>
-                </a:solidFill>
-                <a:latin typeface="微軟正黑體" pitchFamily="34" charset="-120"/>
-                <a:ea typeface="微軟正黑體" pitchFamily="34" charset="-120"/>
-              </a:rPr>
-              <a:t>天要敞開恩膏傾倒下來</a:t>
-            </a:r>
-            <a:endParaRPr lang="en-US" altLang="zh-TW" sz="5400" b="1" dirty="0" smtClean="0">
-              <a:solidFill>
-                <a:srgbClr val="000066"/>
-              </a:solidFill>
-              <a:latin typeface="微軟正黑體" pitchFamily="34" charset="-120"/>
-              <a:ea typeface="微軟正黑體" pitchFamily="34" charset="-120"/>
-            </a:endParaRPr>
-          </a:p>
-          <a:p>
-            <a:pPr algn="ctr">
-              <a:buNone/>
-            </a:pPr>
-            <a:r>
-              <a:rPr lang="zh-TW" altLang="en-US" sz="5400" b="1" dirty="0" smtClean="0">
-                <a:solidFill>
-                  <a:srgbClr val="000066"/>
-                </a:solidFill>
-                <a:latin typeface="微軟正黑體" pitchFamily="34" charset="-120"/>
-                <a:ea typeface="微軟正黑體" pitchFamily="34" charset="-120"/>
-              </a:rPr>
-              <a:t>神國度的榮耀彰顯</a:t>
-            </a:r>
-            <a:endParaRPr lang="zh-TW" altLang="en-US" sz="5400" b="1" dirty="0">
-              <a:solidFill>
-                <a:srgbClr val="000066"/>
-              </a:solidFill>
-              <a:latin typeface="微軟正黑體" pitchFamily="34" charset="-120"/>
-              <a:ea typeface="微軟正黑體" pitchFamily="34" charset="-120"/>
-            </a:endParaRPr>
-          </a:p>
-        </p:txBody>
-      </p:sp>
     </p:spTree>
+    <p:extLst>
+      <p:ext uri="{BB962C8B-B14F-4D97-AF65-F5344CB8AC3E}">
+        <p14:creationId xmlns:p14="http://schemas.microsoft.com/office/powerpoint/2010/main" val="503308507"/>
+      </p:ext>
+    </p:extLst>
   </p:cSld>
   <p:clrMapOvr>
     <a:masterClrMapping/>
@@ -3720,64 +3377,161 @@
       </p:grpSpPr>
       <p:sp>
         <p:nvSpPr>
-          <p:cNvPr id="4" name="標題 3"/>
-          <p:cNvSpPr>
-            <a:spLocks noGrp="1"/>
-          </p:cNvSpPr>
-          <p:nvPr>
-            <p:ph type="title"/>
-          </p:nvPr>
-        </p:nvSpPr>
-        <p:spPr/>
-        <p:txBody>
-          <a:bodyPr>
+          <p:cNvPr id="5" name="內容版面配置區 4"/>
+          <p:cNvSpPr>
+            <a:spLocks noGrp="1"/>
+          </p:cNvSpPr>
+          <p:nvPr>
+            <p:ph idx="1"/>
+          </p:nvPr>
+        </p:nvSpPr>
+        <p:spPr>
+          <a:xfrm>
+            <a:off x="0" y="2084853"/>
+            <a:ext cx="12192000" cy="2404863"/>
+          </a:xfrm>
+        </p:spPr>
+        <p:txBody>
+          <a:bodyPr anchor="ctr">
             <a:normAutofit/>
           </a:bodyPr>
           <a:lstStyle/>
           <a:p>
-            <a:r>
-              <a:rPr lang="zh-TW" altLang="en-US" b="1" dirty="0">
+            <a:pPr algn="ctr">
+              <a:buNone/>
+            </a:pPr>
+            <a:r>
+              <a:rPr lang="zh-TW" altLang="en-US" sz="6400" b="1" dirty="0">
                 <a:solidFill>
-                  <a:srgbClr val="000066"/>
+                  <a:srgbClr val="660033"/>
                 </a:solidFill>
                 <a:latin typeface="微軟正黑體" pitchFamily="34" charset="-120"/>
                 <a:ea typeface="微軟正黑體" pitchFamily="34" charset="-120"/>
               </a:rPr>
-              <a:t>新的異</a:t>
-            </a:r>
-            <a:r>
-              <a:rPr lang="zh-TW" altLang="en-US" b="1" dirty="0" smtClean="0">
+              <a:t>舊的事都已經過去</a:t>
+            </a:r>
+            <a:endParaRPr lang="en-US" altLang="zh-TW" sz="6400" b="1" dirty="0">
+              <a:solidFill>
+                <a:srgbClr val="660033"/>
+              </a:solidFill>
+              <a:latin typeface="微軟正黑體" pitchFamily="34" charset="-120"/>
+              <a:ea typeface="微軟正黑體" pitchFamily="34" charset="-120"/>
+            </a:endParaRPr>
+          </a:p>
+          <a:p>
+            <a:pPr algn="ctr">
+              <a:buNone/>
+            </a:pPr>
+            <a:r>
+              <a:rPr lang="zh-TW" altLang="en-US" sz="6400" b="1" dirty="0">
                 <a:solidFill>
-                  <a:srgbClr val="000066"/>
+                  <a:srgbClr val="660033"/>
                 </a:solidFill>
                 <a:latin typeface="微軟正黑體" pitchFamily="34" charset="-120"/>
                 <a:ea typeface="微軟正黑體" pitchFamily="34" charset="-120"/>
               </a:rPr>
-              <a:t>象  新</a:t>
-            </a:r>
-            <a:r>
-              <a:rPr lang="zh-TW" altLang="en-US" b="1" dirty="0">
+              <a:t>在基督裡一切都要更新</a:t>
+            </a:r>
+            <a:endParaRPr lang="en-US" altLang="zh-TW" sz="6400" b="1" dirty="0">
+              <a:solidFill>
+                <a:srgbClr val="660033"/>
+              </a:solidFill>
+              <a:latin typeface="微軟正黑體" pitchFamily="34" charset="-120"/>
+              <a:ea typeface="微軟正黑體" pitchFamily="34" charset="-120"/>
+            </a:endParaRPr>
+          </a:p>
+        </p:txBody>
+      </p:sp>
+    </p:spTree>
+    <p:extLst>
+      <p:ext uri="{BB962C8B-B14F-4D97-AF65-F5344CB8AC3E}">
+        <p14:creationId xmlns:p14="http://schemas.microsoft.com/office/powerpoint/2010/main" val="3983803681"/>
+      </p:ext>
+    </p:extLst>
+  </p:cSld>
+  <p:clrMapOvr>
+    <a:masterClrMapping/>
+  </p:clrMapOvr>
+</p:sld>
+</file>
+
+<file path=ppt/slides/slide5.xml><?xml version="1.0" encoding="utf-8"?>
+<p:sld xmlns:a="http://schemas.openxmlformats.org/drawingml/2006/main" xmlns:r="http://schemas.openxmlformats.org/officeDocument/2006/relationships" xmlns:p="http://schemas.openxmlformats.org/presentationml/2006/main">
+  <p:cSld>
+    <p:spTree>
+      <p:nvGrpSpPr>
+        <p:cNvPr id="1" name=""/>
+        <p:cNvGrpSpPr/>
+        <p:nvPr/>
+      </p:nvGrpSpPr>
+      <p:grpSpPr>
+        <a:xfrm>
+          <a:off x="0" y="0"/>
+          <a:ext cx="0" cy="0"/>
+          <a:chOff x="0" y="0"/>
+          <a:chExt cx="0" cy="0"/>
+        </a:xfrm>
+      </p:grpSpPr>
+      <p:sp>
+        <p:nvSpPr>
+          <p:cNvPr id="5" name="內容版面配置區 4"/>
+          <p:cNvSpPr>
+            <a:spLocks noGrp="1"/>
+          </p:cNvSpPr>
+          <p:nvPr>
+            <p:ph idx="1"/>
+          </p:nvPr>
+        </p:nvSpPr>
+        <p:spPr>
+          <a:xfrm>
+            <a:off x="0" y="2084853"/>
+            <a:ext cx="12192000" cy="2404863"/>
+          </a:xfrm>
+        </p:spPr>
+        <p:txBody>
+          <a:bodyPr anchor="ctr">
+            <a:normAutofit/>
+          </a:bodyPr>
+          <a:lstStyle/>
+          <a:p>
+            <a:pPr algn="ctr">
+              <a:buNone/>
+            </a:pPr>
+            <a:r>
+              <a:rPr lang="zh-TW" altLang="en-US" sz="6400" b="1" dirty="0">
                 <a:solidFill>
-                  <a:srgbClr val="000066"/>
+                  <a:srgbClr val="660033"/>
                 </a:solidFill>
                 <a:latin typeface="微軟正黑體" pitchFamily="34" charset="-120"/>
                 <a:ea typeface="微軟正黑體" pitchFamily="34" charset="-120"/>
               </a:rPr>
-              <a:t>的</a:t>
-            </a:r>
-            <a:r>
-              <a:rPr lang="zh-TW" altLang="en-US" b="1" dirty="0" smtClean="0">
+              <a:t>新的眼界  新的異象</a:t>
+            </a:r>
+            <a:endParaRPr lang="en-US" altLang="zh-TW" sz="6400" b="1" dirty="0">
+              <a:solidFill>
+                <a:srgbClr val="660033"/>
+              </a:solidFill>
+              <a:latin typeface="微軟正黑體" pitchFamily="34" charset="-120"/>
+              <a:ea typeface="微軟正黑體" pitchFamily="34" charset="-120"/>
+            </a:endParaRPr>
+          </a:p>
+          <a:p>
+            <a:pPr algn="ctr">
+              <a:buNone/>
+            </a:pPr>
+            <a:r>
+              <a:rPr lang="zh-TW" altLang="en-US" sz="6400" b="1" dirty="0">
                 <a:solidFill>
-                  <a:srgbClr val="000066"/>
+                  <a:srgbClr val="660033"/>
                 </a:solidFill>
                 <a:latin typeface="微軟正黑體" pitchFamily="34" charset="-120"/>
                 <a:ea typeface="微軟正黑體" pitchFamily="34" charset="-120"/>
               </a:rPr>
-              <a:t>方向</a:t>
-            </a:r>
-            <a:endParaRPr lang="zh-TW" altLang="en-US" b="1" dirty="0">
+              <a:t>新的故事  新的方向</a:t>
+            </a:r>
+            <a:endParaRPr lang="zh-TW" altLang="en-US" sz="6400" b="1" dirty="0">
               <a:solidFill>
-                <a:srgbClr val="000066"/>
+                <a:srgbClr val="660033"/>
               </a:solidFill>
               <a:latin typeface="微軟正黑體" pitchFamily="34" charset="-120"/>
               <a:ea typeface="微軟正黑體" pitchFamily="34" charset="-120"/>
@@ -3785,6 +3539,36 @@
           </a:p>
         </p:txBody>
       </p:sp>
+    </p:spTree>
+    <p:extLst>
+      <p:ext uri="{BB962C8B-B14F-4D97-AF65-F5344CB8AC3E}">
+        <p14:creationId xmlns:p14="http://schemas.microsoft.com/office/powerpoint/2010/main" val="2751810222"/>
+      </p:ext>
+    </p:extLst>
+  </p:cSld>
+  <p:clrMapOvr>
+    <a:masterClrMapping/>
+  </p:clrMapOvr>
+</p:sld>
+</file>
+
+<file path=ppt/slides/slide6.xml><?xml version="1.0" encoding="utf-8"?>
+<p:sld xmlns:a="http://schemas.openxmlformats.org/drawingml/2006/main" xmlns:r="http://schemas.openxmlformats.org/officeDocument/2006/relationships" xmlns:p="http://schemas.openxmlformats.org/presentationml/2006/main">
+  <p:cSld>
+    <p:spTree>
+      <p:nvGrpSpPr>
+        <p:cNvPr id="1" name=""/>
+        <p:cNvGrpSpPr/>
+        <p:nvPr/>
+      </p:nvGrpSpPr>
+      <p:grpSpPr>
+        <a:xfrm>
+          <a:off x="0" y="0"/>
+          <a:ext cx="0" cy="0"/>
+          <a:chOff x="0" y="0"/>
+          <a:chExt cx="0" cy="0"/>
+        </a:xfrm>
+      </p:grpSpPr>
       <p:sp>
         <p:nvSpPr>
           <p:cNvPr id="5" name="內容版面配置區 4"/>
@@ -3795,9 +3579,14 @@
             <p:ph idx="1"/>
           </p:nvPr>
         </p:nvSpPr>
-        <p:spPr/>
-        <p:txBody>
-          <a:bodyPr>
+        <p:spPr>
+          <a:xfrm>
+            <a:off x="0" y="2084853"/>
+            <a:ext cx="12192000" cy="2404863"/>
+          </a:xfrm>
+        </p:spPr>
+        <p:txBody>
+          <a:bodyPr anchor="ctr">
             <a:normAutofit/>
           </a:bodyPr>
           <a:lstStyle/>
@@ -3806,18 +3595,18 @@
               <a:buNone/>
             </a:pPr>
             <a:r>
-              <a:rPr lang="zh-TW" altLang="en-US" sz="5400" b="1" dirty="0" smtClean="0">
+              <a:rPr lang="zh-TW" altLang="en-US" sz="6400" b="1" dirty="0">
                 <a:solidFill>
-                  <a:srgbClr val="000066"/>
+                  <a:srgbClr val="660033"/>
                 </a:solidFill>
                 <a:latin typeface="微軟正黑體" pitchFamily="34" charset="-120"/>
                 <a:ea typeface="微軟正黑體" pitchFamily="34" charset="-120"/>
               </a:rPr>
               <a:t>全地都要渴望呼喊</a:t>
             </a:r>
-            <a:endParaRPr lang="en-US" altLang="zh-TW" sz="5400" b="1" dirty="0" smtClean="0">
+            <a:endParaRPr lang="en-US" altLang="zh-TW" sz="6400" b="1" dirty="0">
               <a:solidFill>
-                <a:srgbClr val="000066"/>
+                <a:srgbClr val="660033"/>
               </a:solidFill>
               <a:latin typeface="微軟正黑體" pitchFamily="34" charset="-120"/>
               <a:ea typeface="微軟正黑體" pitchFamily="34" charset="-120"/>
@@ -3828,40 +3617,287 @@
               <a:buNone/>
             </a:pPr>
             <a:r>
-              <a:rPr lang="zh-TW" altLang="en-US" sz="5400" b="1" dirty="0" smtClean="0">
+              <a:rPr lang="zh-TW" altLang="en-US" sz="6400" b="1" dirty="0">
                 <a:solidFill>
-                  <a:srgbClr val="000066"/>
+                  <a:srgbClr val="660033"/>
                 </a:solidFill>
                 <a:latin typeface="微軟正黑體" pitchFamily="34" charset="-120"/>
                 <a:ea typeface="微軟正黑體" pitchFamily="34" charset="-120"/>
               </a:rPr>
               <a:t>榮耀的主我願祢來</a:t>
             </a:r>
-            <a:endParaRPr lang="en-US" altLang="zh-TW" sz="5400" b="1" dirty="0" smtClean="0">
+            <a:endParaRPr lang="en-US" altLang="zh-TW" sz="6400" b="1" dirty="0">
               <a:solidFill>
-                <a:srgbClr val="000066"/>
+                <a:srgbClr val="660033"/>
               </a:solidFill>
               <a:latin typeface="微軟正黑體" pitchFamily="34" charset="-120"/>
               <a:ea typeface="微軟正黑體" pitchFamily="34" charset="-120"/>
             </a:endParaRPr>
           </a:p>
+        </p:txBody>
+      </p:sp>
+    </p:spTree>
+    <p:extLst>
+      <p:ext uri="{BB962C8B-B14F-4D97-AF65-F5344CB8AC3E}">
+        <p14:creationId xmlns:p14="http://schemas.microsoft.com/office/powerpoint/2010/main" val="720361329"/>
+      </p:ext>
+    </p:extLst>
+  </p:cSld>
+  <p:clrMapOvr>
+    <a:masterClrMapping/>
+  </p:clrMapOvr>
+</p:sld>
+</file>
+
+<file path=ppt/slides/slide7.xml><?xml version="1.0" encoding="utf-8"?>
+<p:sld xmlns:a="http://schemas.openxmlformats.org/drawingml/2006/main" xmlns:r="http://schemas.openxmlformats.org/officeDocument/2006/relationships" xmlns:p="http://schemas.openxmlformats.org/presentationml/2006/main">
+  <p:cSld>
+    <p:spTree>
+      <p:nvGrpSpPr>
+        <p:cNvPr id="1" name=""/>
+        <p:cNvGrpSpPr/>
+        <p:nvPr/>
+      </p:nvGrpSpPr>
+      <p:grpSpPr>
+        <a:xfrm>
+          <a:off x="0" y="0"/>
+          <a:ext cx="0" cy="0"/>
+          <a:chOff x="0" y="0"/>
+          <a:chExt cx="0" cy="0"/>
+        </a:xfrm>
+      </p:grpSpPr>
+      <p:sp>
+        <p:nvSpPr>
+          <p:cNvPr id="5" name="內容版面配置區 4"/>
+          <p:cNvSpPr>
+            <a:spLocks noGrp="1"/>
+          </p:cNvSpPr>
+          <p:nvPr>
+            <p:ph idx="1"/>
+          </p:nvPr>
+        </p:nvSpPr>
+        <p:spPr>
+          <a:xfrm>
+            <a:off x="0" y="2084853"/>
+            <a:ext cx="12192000" cy="2404863"/>
+          </a:xfrm>
+        </p:spPr>
+        <p:txBody>
+          <a:bodyPr anchor="ctr">
+            <a:normAutofit/>
+          </a:bodyPr>
+          <a:lstStyle/>
           <a:p>
             <a:pPr algn="ctr">
               <a:buNone/>
             </a:pPr>
             <a:r>
-              <a:rPr lang="zh-TW" altLang="en-US" sz="5400" b="1" dirty="0" smtClean="0">
+              <a:rPr lang="zh-TW" altLang="en-US" sz="6400" b="1" dirty="0">
                 <a:solidFill>
-                  <a:srgbClr val="000066"/>
+                  <a:srgbClr val="660033"/>
+                </a:solidFill>
+                <a:latin typeface="微軟正黑體" pitchFamily="34" charset="-120"/>
+                <a:ea typeface="微軟正黑體" pitchFamily="34" charset="-120"/>
+              </a:rPr>
+              <a:t>天要敞開恩膏傾倒下來</a:t>
+            </a:r>
+            <a:endParaRPr lang="en-US" altLang="zh-TW" sz="6400" b="1" dirty="0">
+              <a:solidFill>
+                <a:srgbClr val="660033"/>
+              </a:solidFill>
+              <a:latin typeface="微軟正黑體" pitchFamily="34" charset="-120"/>
+              <a:ea typeface="微軟正黑體" pitchFamily="34" charset="-120"/>
+            </a:endParaRPr>
+          </a:p>
+          <a:p>
+            <a:pPr algn="ctr">
+              <a:buNone/>
+            </a:pPr>
+            <a:r>
+              <a:rPr lang="zh-TW" altLang="en-US" sz="6400" b="1" dirty="0">
+                <a:solidFill>
+                  <a:srgbClr val="660033"/>
+                </a:solidFill>
+                <a:latin typeface="微軟正黑體" pitchFamily="34" charset="-120"/>
+                <a:ea typeface="微軟正黑體" pitchFamily="34" charset="-120"/>
+              </a:rPr>
+              <a:t>神國度的榮耀彰顯</a:t>
+            </a:r>
+            <a:endParaRPr lang="zh-TW" altLang="en-US" sz="6400" b="1" dirty="0">
+              <a:solidFill>
+                <a:srgbClr val="660033"/>
+              </a:solidFill>
+              <a:latin typeface="微軟正黑體" pitchFamily="34" charset="-120"/>
+              <a:ea typeface="微軟正黑體" pitchFamily="34" charset="-120"/>
+            </a:endParaRPr>
+          </a:p>
+        </p:txBody>
+      </p:sp>
+    </p:spTree>
+    <p:extLst>
+      <p:ext uri="{BB962C8B-B14F-4D97-AF65-F5344CB8AC3E}">
+        <p14:creationId xmlns:p14="http://schemas.microsoft.com/office/powerpoint/2010/main" val="2825874258"/>
+      </p:ext>
+    </p:extLst>
+  </p:cSld>
+  <p:clrMapOvr>
+    <a:masterClrMapping/>
+  </p:clrMapOvr>
+</p:sld>
+</file>
+
+<file path=ppt/slides/slide8.xml><?xml version="1.0" encoding="utf-8"?>
+<p:sld xmlns:a="http://schemas.openxmlformats.org/drawingml/2006/main" xmlns:r="http://schemas.openxmlformats.org/officeDocument/2006/relationships" xmlns:p="http://schemas.openxmlformats.org/presentationml/2006/main">
+  <p:cSld>
+    <p:spTree>
+      <p:nvGrpSpPr>
+        <p:cNvPr id="1" name=""/>
+        <p:cNvGrpSpPr/>
+        <p:nvPr/>
+      </p:nvGrpSpPr>
+      <p:grpSpPr>
+        <a:xfrm>
+          <a:off x="0" y="0"/>
+          <a:ext cx="0" cy="0"/>
+          <a:chOff x="0" y="0"/>
+          <a:chExt cx="0" cy="0"/>
+        </a:xfrm>
+      </p:grpSpPr>
+      <p:sp>
+        <p:nvSpPr>
+          <p:cNvPr id="5" name="內容版面配置區 4"/>
+          <p:cNvSpPr>
+            <a:spLocks noGrp="1"/>
+          </p:cNvSpPr>
+          <p:nvPr>
+            <p:ph idx="1"/>
+          </p:nvPr>
+        </p:nvSpPr>
+        <p:spPr>
+          <a:xfrm>
+            <a:off x="0" y="2084853"/>
+            <a:ext cx="12192000" cy="2404863"/>
+          </a:xfrm>
+        </p:spPr>
+        <p:txBody>
+          <a:bodyPr anchor="ctr">
+            <a:normAutofit/>
+          </a:bodyPr>
+          <a:lstStyle/>
+          <a:p>
+            <a:pPr algn="ctr">
+              <a:buNone/>
+            </a:pPr>
+            <a:r>
+              <a:rPr lang="zh-TW" altLang="en-US" sz="6400" b="1" dirty="0">
+                <a:solidFill>
+                  <a:srgbClr val="660033"/>
+                </a:solidFill>
+                <a:latin typeface="微軟正黑體" pitchFamily="34" charset="-120"/>
+                <a:ea typeface="微軟正黑體" pitchFamily="34" charset="-120"/>
+              </a:rPr>
+              <a:t>全地都要渴望呼喊</a:t>
+            </a:r>
+            <a:endParaRPr lang="en-US" altLang="zh-TW" sz="6400" b="1" dirty="0">
+              <a:solidFill>
+                <a:srgbClr val="660033"/>
+              </a:solidFill>
+              <a:latin typeface="微軟正黑體" pitchFamily="34" charset="-120"/>
+              <a:ea typeface="微軟正黑體" pitchFamily="34" charset="-120"/>
+            </a:endParaRPr>
+          </a:p>
+          <a:p>
+            <a:pPr algn="ctr">
+              <a:buNone/>
+            </a:pPr>
+            <a:r>
+              <a:rPr lang="zh-TW" altLang="en-US" sz="6400" b="1" dirty="0">
+                <a:solidFill>
+                  <a:srgbClr val="660033"/>
+                </a:solidFill>
+                <a:latin typeface="微軟正黑體" pitchFamily="34" charset="-120"/>
+                <a:ea typeface="微軟正黑體" pitchFamily="34" charset="-120"/>
+              </a:rPr>
+              <a:t>榮耀的主我願祢來</a:t>
+            </a:r>
+            <a:endParaRPr lang="en-US" altLang="zh-TW" sz="6400" b="1" dirty="0">
+              <a:solidFill>
+                <a:srgbClr val="660033"/>
+              </a:solidFill>
+              <a:latin typeface="微軟正黑體" pitchFamily="34" charset="-120"/>
+              <a:ea typeface="微軟正黑體" pitchFamily="34" charset="-120"/>
+            </a:endParaRPr>
+          </a:p>
+        </p:txBody>
+      </p:sp>
+    </p:spTree>
+    <p:extLst>
+      <p:ext uri="{BB962C8B-B14F-4D97-AF65-F5344CB8AC3E}">
+        <p14:creationId xmlns:p14="http://schemas.microsoft.com/office/powerpoint/2010/main" val="758630743"/>
+      </p:ext>
+    </p:extLst>
+  </p:cSld>
+  <p:clrMapOvr>
+    <a:masterClrMapping/>
+  </p:clrMapOvr>
+</p:sld>
+</file>
+
+<file path=ppt/slides/slide9.xml><?xml version="1.0" encoding="utf-8"?>
+<p:sld xmlns:a="http://schemas.openxmlformats.org/drawingml/2006/main" xmlns:r="http://schemas.openxmlformats.org/officeDocument/2006/relationships" xmlns:p="http://schemas.openxmlformats.org/presentationml/2006/main">
+  <p:cSld>
+    <p:spTree>
+      <p:nvGrpSpPr>
+        <p:cNvPr id="1" name=""/>
+        <p:cNvGrpSpPr/>
+        <p:nvPr/>
+      </p:nvGrpSpPr>
+      <p:grpSpPr>
+        <a:xfrm>
+          <a:off x="0" y="0"/>
+          <a:ext cx="0" cy="0"/>
+          <a:chOff x="0" y="0"/>
+          <a:chExt cx="0" cy="0"/>
+        </a:xfrm>
+      </p:grpSpPr>
+      <p:sp>
+        <p:nvSpPr>
+          <p:cNvPr id="5" name="內容版面配置區 4"/>
+          <p:cNvSpPr>
+            <a:spLocks noGrp="1"/>
+          </p:cNvSpPr>
+          <p:nvPr>
+            <p:ph idx="1"/>
+          </p:nvPr>
+        </p:nvSpPr>
+        <p:spPr>
+          <a:xfrm>
+            <a:off x="0" y="2084853"/>
+            <a:ext cx="12192000" cy="2404863"/>
+          </a:xfrm>
+        </p:spPr>
+        <p:txBody>
+          <a:bodyPr anchor="ctr">
+            <a:normAutofit/>
+          </a:bodyPr>
+          <a:lstStyle/>
+          <a:p>
+            <a:pPr algn="ctr">
+              <a:buNone/>
+            </a:pPr>
+            <a:r>
+              <a:rPr lang="zh-TW" altLang="en-US" sz="6400" b="1" dirty="0">
+                <a:solidFill>
+                  <a:srgbClr val="660033"/>
                 </a:solidFill>
                 <a:latin typeface="微軟正黑體" pitchFamily="34" charset="-120"/>
                 <a:ea typeface="微軟正黑體" pitchFamily="34" charset="-120"/>
               </a:rPr>
               <a:t>聖靈引領看見新的異象</a:t>
             </a:r>
-            <a:endParaRPr lang="en-US" altLang="zh-TW" sz="5400" b="1" dirty="0" smtClean="0">
+            <a:endParaRPr lang="en-US" altLang="zh-TW" sz="6400" b="1" dirty="0">
               <a:solidFill>
-                <a:srgbClr val="000066"/>
+                <a:srgbClr val="660033"/>
               </a:solidFill>
               <a:latin typeface="微軟正黑體" pitchFamily="34" charset="-120"/>
               <a:ea typeface="微軟正黑體" pitchFamily="34" charset="-120"/>
@@ -3872,18 +3908,18 @@
               <a:buNone/>
             </a:pPr>
             <a:r>
-              <a:rPr lang="zh-TW" altLang="en-US" sz="5400" b="1" dirty="0" smtClean="0">
+              <a:rPr lang="zh-TW" altLang="en-US" sz="6400" b="1" dirty="0">
                 <a:solidFill>
-                  <a:srgbClr val="000066"/>
+                  <a:srgbClr val="660033"/>
                 </a:solidFill>
                 <a:latin typeface="微軟正黑體" pitchFamily="34" charset="-120"/>
                 <a:ea typeface="微軟正黑體" pitchFamily="34" charset="-120"/>
               </a:rPr>
               <a:t>祢要做新的事在我們中間</a:t>
             </a:r>
-            <a:endParaRPr lang="zh-TW" altLang="en-US" sz="5400" b="1" dirty="0">
+            <a:endParaRPr lang="zh-TW" altLang="en-US" sz="6400" b="1" dirty="0">
               <a:solidFill>
-                <a:srgbClr val="000066"/>
+                <a:srgbClr val="660033"/>
               </a:solidFill>
               <a:latin typeface="微軟正黑體" pitchFamily="34" charset="-120"/>
               <a:ea typeface="微軟正黑體" pitchFamily="34" charset="-120"/>
@@ -3892,6 +3928,11 @@
         </p:txBody>
       </p:sp>
     </p:spTree>
+    <p:extLst>
+      <p:ext uri="{BB962C8B-B14F-4D97-AF65-F5344CB8AC3E}">
+        <p14:creationId xmlns:p14="http://schemas.microsoft.com/office/powerpoint/2010/main" val="1036057193"/>
+      </p:ext>
+    </p:extLst>
   </p:cSld>
   <p:clrMapOvr>
     <a:masterClrMapping/>

--- a/新的異象新的方向(崇拜版).pptx
+++ b/新的異象新的方向(崇拜版).pptx
@@ -5,15 +5,15 @@
     <p:sldMasterId id="2147483660" r:id="rId1"/>
   </p:sldMasterIdLst>
   <p:sldIdLst>
-    <p:sldId id="263" r:id="rId2"/>
-    <p:sldId id="264" r:id="rId3"/>
-    <p:sldId id="265" r:id="rId4"/>
-    <p:sldId id="266" r:id="rId5"/>
-    <p:sldId id="267" r:id="rId6"/>
-    <p:sldId id="268" r:id="rId7"/>
-    <p:sldId id="269" r:id="rId8"/>
-    <p:sldId id="270" r:id="rId9"/>
-    <p:sldId id="271" r:id="rId10"/>
+    <p:sldId id="256" r:id="rId2"/>
+    <p:sldId id="257" r:id="rId3"/>
+    <p:sldId id="258" r:id="rId4"/>
+    <p:sldId id="259" r:id="rId5"/>
+    <p:sldId id="260" r:id="rId6"/>
+    <p:sldId id="261" r:id="rId7"/>
+    <p:sldId id="262" r:id="rId8"/>
+    <p:sldId id="263" r:id="rId9"/>
+    <p:sldId id="264" r:id="rId10"/>
   </p:sldIdLst>
   <p:sldSz cx="12192000" cy="6858000"/>
   <p:notesSz cx="6858000" cy="9144000"/>
@@ -313,7 +313,7 @@
             <a:fld id="{FB8A5CCA-48C9-44B6-AD2F-BEE1D3EDC71B}" type="datetimeFigureOut">
               <a:rPr lang="zh-TW" altLang="en-US" smtClean="0"/>
               <a:pPr/>
-              <a:t>2021/2/26</a:t>
+              <a:t>2022/1/27</a:t>
             </a:fld>
             <a:endParaRPr lang="zh-TW" altLang="en-US"/>
           </a:p>
@@ -480,7 +480,7 @@
             <a:fld id="{FB8A5CCA-48C9-44B6-AD2F-BEE1D3EDC71B}" type="datetimeFigureOut">
               <a:rPr lang="zh-TW" altLang="en-US" smtClean="0"/>
               <a:pPr/>
-              <a:t>2021/2/26</a:t>
+              <a:t>2022/1/27</a:t>
             </a:fld>
             <a:endParaRPr lang="zh-TW" altLang="en-US"/>
           </a:p>
@@ -657,7 +657,7 @@
             <a:fld id="{FB8A5CCA-48C9-44B6-AD2F-BEE1D3EDC71B}" type="datetimeFigureOut">
               <a:rPr lang="zh-TW" altLang="en-US" smtClean="0"/>
               <a:pPr/>
-              <a:t>2021/2/26</a:t>
+              <a:t>2022/1/27</a:t>
             </a:fld>
             <a:endParaRPr lang="zh-TW" altLang="en-US"/>
           </a:p>
@@ -824,7 +824,7 @@
             <a:fld id="{FB8A5CCA-48C9-44B6-AD2F-BEE1D3EDC71B}" type="datetimeFigureOut">
               <a:rPr lang="zh-TW" altLang="en-US" smtClean="0"/>
               <a:pPr/>
-              <a:t>2021/2/26</a:t>
+              <a:t>2022/1/27</a:t>
             </a:fld>
             <a:endParaRPr lang="zh-TW" altLang="en-US"/>
           </a:p>
@@ -1067,7 +1067,7 @@
             <a:fld id="{FB8A5CCA-48C9-44B6-AD2F-BEE1D3EDC71B}" type="datetimeFigureOut">
               <a:rPr lang="zh-TW" altLang="en-US" smtClean="0"/>
               <a:pPr/>
-              <a:t>2021/2/26</a:t>
+              <a:t>2022/1/27</a:t>
             </a:fld>
             <a:endParaRPr lang="zh-TW" altLang="en-US"/>
           </a:p>
@@ -1352,7 +1352,7 @@
             <a:fld id="{FB8A5CCA-48C9-44B6-AD2F-BEE1D3EDC71B}" type="datetimeFigureOut">
               <a:rPr lang="zh-TW" altLang="en-US" smtClean="0"/>
               <a:pPr/>
-              <a:t>2021/2/26</a:t>
+              <a:t>2022/1/27</a:t>
             </a:fld>
             <a:endParaRPr lang="zh-TW" altLang="en-US"/>
           </a:p>
@@ -1771,7 +1771,7 @@
             <a:fld id="{FB8A5CCA-48C9-44B6-AD2F-BEE1D3EDC71B}" type="datetimeFigureOut">
               <a:rPr lang="zh-TW" altLang="en-US" smtClean="0"/>
               <a:pPr/>
-              <a:t>2021/2/26</a:t>
+              <a:t>2022/1/27</a:t>
             </a:fld>
             <a:endParaRPr lang="zh-TW" altLang="en-US"/>
           </a:p>
@@ -1886,7 +1886,7 @@
             <a:fld id="{FB8A5CCA-48C9-44B6-AD2F-BEE1D3EDC71B}" type="datetimeFigureOut">
               <a:rPr lang="zh-TW" altLang="en-US" smtClean="0"/>
               <a:pPr/>
-              <a:t>2021/2/26</a:t>
+              <a:t>2022/1/27</a:t>
             </a:fld>
             <a:endParaRPr lang="zh-TW" altLang="en-US"/>
           </a:p>
@@ -1978,7 +1978,7 @@
             <a:fld id="{FB8A5CCA-48C9-44B6-AD2F-BEE1D3EDC71B}" type="datetimeFigureOut">
               <a:rPr lang="zh-TW" altLang="en-US" smtClean="0"/>
               <a:pPr/>
-              <a:t>2021/2/26</a:t>
+              <a:t>2022/1/27</a:t>
             </a:fld>
             <a:endParaRPr lang="zh-TW" altLang="en-US"/>
           </a:p>
@@ -2252,7 +2252,7 @@
             <a:fld id="{FB8A5CCA-48C9-44B6-AD2F-BEE1D3EDC71B}" type="datetimeFigureOut">
               <a:rPr lang="zh-TW" altLang="en-US" smtClean="0"/>
               <a:pPr/>
-              <a:t>2021/2/26</a:t>
+              <a:t>2022/1/27</a:t>
             </a:fld>
             <a:endParaRPr lang="zh-TW" altLang="en-US"/>
           </a:p>
@@ -2506,7 +2506,7 @@
             <a:fld id="{FB8A5CCA-48C9-44B6-AD2F-BEE1D3EDC71B}" type="datetimeFigureOut">
               <a:rPr lang="zh-TW" altLang="en-US" smtClean="0"/>
               <a:pPr/>
-              <a:t>2021/2/26</a:t>
+              <a:t>2022/1/27</a:t>
             </a:fld>
             <a:endParaRPr lang="zh-TW" altLang="en-US"/>
           </a:p>
@@ -2721,7 +2721,7 @@
             <a:fld id="{FB8A5CCA-48C9-44B6-AD2F-BEE1D3EDC71B}" type="datetimeFigureOut">
               <a:rPr lang="zh-TW" altLang="en-US" smtClean="0"/>
               <a:pPr/>
-              <a:t>2021/2/26</a:t>
+              <a:t>2022/1/27</a:t>
             </a:fld>
             <a:endParaRPr lang="zh-TW" altLang="en-US"/>
           </a:p>
@@ -3129,24 +3129,7 @@
                 <a:latin typeface="微軟正黑體" pitchFamily="34" charset="-120"/>
                 <a:ea typeface="微軟正黑體" pitchFamily="34" charset="-120"/>
               </a:rPr>
-              <a:t>新</a:t>
-            </a:r>
-            <a:r>
-              <a:rPr lang="zh-TW" altLang="en-US" sz="7200" b="1" i="1" dirty="0">
-                <a:solidFill>
-                  <a:srgbClr val="660033"/>
-                </a:solidFill>
-                <a:effectLst>
-                  <a:outerShdw blurRad="38100" dist="38100" dir="2700000" algn="tl">
-                    <a:srgbClr val="000000">
-                      <a:alpha val="43137"/>
-                    </a:srgbClr>
-                  </a:outerShdw>
-                </a:effectLst>
-                <a:latin typeface="微軟正黑體" pitchFamily="34" charset="-120"/>
-                <a:ea typeface="微軟正黑體" pitchFamily="34" charset="-120"/>
-              </a:rPr>
-              <a:t>的異象  新的方向</a:t>
+              <a:t>新的異象  新的方向</a:t>
             </a:r>
           </a:p>
         </p:txBody>
@@ -3154,7 +3137,7 @@
     </p:spTree>
     <p:extLst>
       <p:ext uri="{BB962C8B-B14F-4D97-AF65-F5344CB8AC3E}">
-        <p14:creationId xmlns:p14="http://schemas.microsoft.com/office/powerpoint/2010/main" val="1354491720"/>
+        <p14:creationId xmlns:p14="http://schemas.microsoft.com/office/powerpoint/2010/main" val="1860476511"/>
       </p:ext>
     </p:extLst>
   </p:cSld>
@@ -3193,7 +3176,7 @@
         </p:nvSpPr>
         <p:spPr>
           <a:xfrm>
-            <a:off x="0" y="2084853"/>
+            <a:off x="0" y="2084854"/>
             <a:ext cx="12192000" cy="2404863"/>
           </a:xfrm>
         </p:spPr>
@@ -3248,10 +3231,88 @@
           </a:p>
         </p:txBody>
       </p:sp>
+      <p:sp>
+        <p:nvSpPr>
+          <p:cNvPr id="3" name="TextBox 2"/>
+          <p:cNvSpPr txBox="1"/>
+          <p:nvPr/>
+        </p:nvSpPr>
+        <p:spPr>
+          <a:xfrm>
+            <a:off x="0" y="5253203"/>
+            <a:ext cx="12192000" cy="830997"/>
+          </a:xfrm>
+          <a:prstGeom prst="rect">
+            <a:avLst/>
+          </a:prstGeom>
+          <a:noFill/>
+        </p:spPr>
+        <p:txBody>
+          <a:bodyPr wrap="square" rtlCol="0">
+            <a:spAutoFit/>
+          </a:bodyPr>
+          <a:lstStyle/>
+          <a:p>
+            <a:pPr algn="ctr"/>
+            <a:r>
+              <a:rPr lang="en-US" sz="4800" b="1" dirty="0">
+                <a:solidFill>
+                  <a:srgbClr val="660033"/>
+                </a:solidFill>
+                <a:effectLst/>
+                <a:latin typeface="Microsoft JhengHei" panose="020B0604030504040204" pitchFamily="34" charset="-120"/>
+                <a:ea typeface="Microsoft JhengHei" panose="020B0604030504040204" pitchFamily="34" charset="-120"/>
+              </a:rPr>
+              <a:t>( </a:t>
+            </a:r>
+            <a:r>
+              <a:rPr lang="zh-CN" altLang="en-US" sz="4800" b="1" dirty="0">
+                <a:solidFill>
+                  <a:srgbClr val="660033"/>
+                </a:solidFill>
+                <a:effectLst/>
+                <a:latin typeface="Microsoft JhengHei" panose="020B0604030504040204" pitchFamily="34" charset="-120"/>
+                <a:ea typeface="Microsoft JhengHei" panose="020B0604030504040204" pitchFamily="34" charset="-120"/>
+              </a:rPr>
+              <a:t>正</a:t>
+            </a:r>
+            <a:r>
+              <a:rPr lang="en-US" sz="4800" b="1" dirty="0">
+                <a:solidFill>
+                  <a:srgbClr val="660033"/>
+                </a:solidFill>
+                <a:effectLst/>
+                <a:latin typeface="Microsoft JhengHei" panose="020B0604030504040204" pitchFamily="34" charset="-120"/>
+                <a:ea typeface="Microsoft JhengHei" panose="020B0604030504040204" pitchFamily="34" charset="-120"/>
+              </a:rPr>
+              <a:t> </a:t>
+            </a:r>
+            <a:r>
+              <a:rPr lang="en-US" sz="4800" b="1" dirty="0">
+                <a:solidFill>
+                  <a:srgbClr val="660033"/>
+                </a:solidFill>
+                <a:effectLst/>
+                <a:latin typeface="Microsoft JhengHei" panose="020B0604030504040204" pitchFamily="34" charset="-120"/>
+                <a:ea typeface="Microsoft JhengHei" panose="020B0604030504040204" pitchFamily="34" charset="-120"/>
+              </a:rPr>
+              <a:t>)</a:t>
+            </a:r>
+            <a:endParaRPr lang="vi-VN" sz="4800" b="1" dirty="0">
+              <a:solidFill>
+                <a:srgbClr val="660033"/>
+              </a:solidFill>
+              <a:effectLst/>
+              <a:latin typeface="Microsoft JhengHei" panose="020B0604030504040204" pitchFamily="34" charset="-120"/>
+              <a:ea typeface="Microsoft JhengHei" panose="020B0604030504040204" pitchFamily="34" charset="-120"/>
+            </a:endParaRPr>
+          </a:p>
+        </p:txBody>
+      </p:sp>
     </p:spTree>
     <p:extLst>
       <p:ext uri="{BB962C8B-B14F-4D97-AF65-F5344CB8AC3E}">
-        <p14:creationId xmlns:p14="http://schemas.microsoft.com/office/powerpoint/2010/main" val="230890882"/>
+        <p14:creationId xmlns:p14="http://schemas.microsoft.com/office/powerpoint/2010/main" val="2715831565"/>
       </p:ext>
     </p:extLst>
   </p:cSld>
@@ -3290,7 +3351,7 @@
         </p:nvSpPr>
         <p:spPr>
           <a:xfrm>
-            <a:off x="0" y="2084853"/>
+            <a:off x="0" y="2084854"/>
             <a:ext cx="12192000" cy="2404863"/>
           </a:xfrm>
         </p:spPr>
@@ -3335,12 +3396,83 @@
               </a:rPr>
               <a:t>我們神要做新事</a:t>
             </a:r>
-            <a:endParaRPr lang="zh-TW" altLang="en-US" sz="6400" b="1" dirty="0">
+          </a:p>
+        </p:txBody>
+      </p:sp>
+      <p:sp>
+        <p:nvSpPr>
+          <p:cNvPr id="3" name="TextBox 2"/>
+          <p:cNvSpPr txBox="1"/>
+          <p:nvPr/>
+        </p:nvSpPr>
+        <p:spPr>
+          <a:xfrm>
+            <a:off x="0" y="5253203"/>
+            <a:ext cx="12192000" cy="830997"/>
+          </a:xfrm>
+          <a:prstGeom prst="rect">
+            <a:avLst/>
+          </a:prstGeom>
+          <a:noFill/>
+        </p:spPr>
+        <p:txBody>
+          <a:bodyPr wrap="square" rtlCol="0">
+            <a:spAutoFit/>
+          </a:bodyPr>
+          <a:lstStyle/>
+          <a:p>
+            <a:pPr algn="ctr"/>
+            <a:r>
+              <a:rPr lang="en-US" sz="4800" b="1" dirty="0">
+                <a:solidFill>
+                  <a:srgbClr val="660033"/>
+                </a:solidFill>
+                <a:effectLst/>
+                <a:latin typeface="Microsoft JhengHei" panose="020B0604030504040204" pitchFamily="34" charset="-120"/>
+                <a:ea typeface="Microsoft JhengHei" panose="020B0604030504040204" pitchFamily="34" charset="-120"/>
+              </a:rPr>
+              <a:t>( </a:t>
+            </a:r>
+            <a:r>
+              <a:rPr lang="zh-CN" altLang="en-US" sz="4800" b="1" dirty="0">
+                <a:solidFill>
+                  <a:srgbClr val="660033"/>
+                </a:solidFill>
+                <a:effectLst/>
+                <a:latin typeface="Microsoft JhengHei" panose="020B0604030504040204" pitchFamily="34" charset="-120"/>
+                <a:ea typeface="Microsoft JhengHei" panose="020B0604030504040204" pitchFamily="34" charset="-120"/>
+              </a:rPr>
+              <a:t>正</a:t>
+            </a:r>
+            <a:r>
+              <a:rPr lang="en-US" sz="4800" b="1" dirty="0">
+                <a:solidFill>
+                  <a:srgbClr val="660033"/>
+                </a:solidFill>
+                <a:effectLst/>
+                <a:latin typeface="Microsoft JhengHei" panose="020B0604030504040204" pitchFamily="34" charset="-120"/>
+                <a:ea typeface="Microsoft JhengHei" panose="020B0604030504040204" pitchFamily="34" charset="-120"/>
+              </a:rPr>
+              <a:t> </a:t>
+            </a:r>
+            <a:r>
+              <a:rPr lang="en-US" sz="4800" b="1" dirty="0">
+                <a:solidFill>
+                  <a:srgbClr val="660033"/>
+                </a:solidFill>
+                <a:effectLst/>
+                <a:latin typeface="Microsoft JhengHei" panose="020B0604030504040204" pitchFamily="34" charset="-120"/>
+                <a:ea typeface="Microsoft JhengHei" panose="020B0604030504040204" pitchFamily="34" charset="-120"/>
+              </a:rPr>
+              <a:t>)</a:t>
+            </a:r>
+            <a:endParaRPr lang="vi-VN" sz="4800" b="1" dirty="0">
               <a:solidFill>
                 <a:srgbClr val="660033"/>
               </a:solidFill>
-              <a:latin typeface="微軟正黑體" pitchFamily="34" charset="-120"/>
-              <a:ea typeface="微軟正黑體" pitchFamily="34" charset="-120"/>
+              <a:effectLst/>
+              <a:latin typeface="Microsoft JhengHei" panose="020B0604030504040204" pitchFamily="34" charset="-120"/>
+              <a:ea typeface="Microsoft JhengHei" panose="020B0604030504040204" pitchFamily="34" charset="-120"/>
             </a:endParaRPr>
           </a:p>
         </p:txBody>
@@ -3348,7 +3480,7 @@
     </p:spTree>
     <p:extLst>
       <p:ext uri="{BB962C8B-B14F-4D97-AF65-F5344CB8AC3E}">
-        <p14:creationId xmlns:p14="http://schemas.microsoft.com/office/powerpoint/2010/main" val="503308507"/>
+        <p14:creationId xmlns:p14="http://schemas.microsoft.com/office/powerpoint/2010/main" val="1918165899"/>
       </p:ext>
     </p:extLst>
   </p:cSld>
@@ -3387,7 +3519,7 @@
         </p:nvSpPr>
         <p:spPr>
           <a:xfrm>
-            <a:off x="0" y="2084853"/>
+            <a:off x="0" y="2084854"/>
             <a:ext cx="12192000" cy="2404863"/>
           </a:xfrm>
         </p:spPr>
@@ -3442,10 +3574,88 @@
           </a:p>
         </p:txBody>
       </p:sp>
+      <p:sp>
+        <p:nvSpPr>
+          <p:cNvPr id="3" name="TextBox 2"/>
+          <p:cNvSpPr txBox="1"/>
+          <p:nvPr/>
+        </p:nvSpPr>
+        <p:spPr>
+          <a:xfrm>
+            <a:off x="0" y="5253203"/>
+            <a:ext cx="12192000" cy="830997"/>
+          </a:xfrm>
+          <a:prstGeom prst="rect">
+            <a:avLst/>
+          </a:prstGeom>
+          <a:noFill/>
+        </p:spPr>
+        <p:txBody>
+          <a:bodyPr wrap="square" rtlCol="0">
+            <a:spAutoFit/>
+          </a:bodyPr>
+          <a:lstStyle/>
+          <a:p>
+            <a:pPr algn="ctr"/>
+            <a:r>
+              <a:rPr lang="en-US" sz="4800" b="1" dirty="0">
+                <a:solidFill>
+                  <a:srgbClr val="660033"/>
+                </a:solidFill>
+                <a:effectLst/>
+                <a:latin typeface="Microsoft JhengHei" panose="020B0604030504040204" pitchFamily="34" charset="-120"/>
+                <a:ea typeface="Microsoft JhengHei" panose="020B0604030504040204" pitchFamily="34" charset="-120"/>
+              </a:rPr>
+              <a:t>( </a:t>
+            </a:r>
+            <a:r>
+              <a:rPr lang="zh-CN" altLang="en-US" sz="4800" b="1" dirty="0">
+                <a:solidFill>
+                  <a:srgbClr val="660033"/>
+                </a:solidFill>
+                <a:effectLst/>
+                <a:latin typeface="Microsoft JhengHei" panose="020B0604030504040204" pitchFamily="34" charset="-120"/>
+                <a:ea typeface="Microsoft JhengHei" panose="020B0604030504040204" pitchFamily="34" charset="-120"/>
+              </a:rPr>
+              <a:t>正</a:t>
+            </a:r>
+            <a:r>
+              <a:rPr lang="en-US" sz="4800" b="1" dirty="0">
+                <a:solidFill>
+                  <a:srgbClr val="660033"/>
+                </a:solidFill>
+                <a:effectLst/>
+                <a:latin typeface="Microsoft JhengHei" panose="020B0604030504040204" pitchFamily="34" charset="-120"/>
+                <a:ea typeface="Microsoft JhengHei" panose="020B0604030504040204" pitchFamily="34" charset="-120"/>
+              </a:rPr>
+              <a:t> </a:t>
+            </a:r>
+            <a:r>
+              <a:rPr lang="en-US" sz="4800" b="1" dirty="0">
+                <a:solidFill>
+                  <a:srgbClr val="660033"/>
+                </a:solidFill>
+                <a:effectLst/>
+                <a:latin typeface="Microsoft JhengHei" panose="020B0604030504040204" pitchFamily="34" charset="-120"/>
+                <a:ea typeface="Microsoft JhengHei" panose="020B0604030504040204" pitchFamily="34" charset="-120"/>
+              </a:rPr>
+              <a:t>)</a:t>
+            </a:r>
+            <a:endParaRPr lang="vi-VN" sz="4800" b="1" dirty="0">
+              <a:solidFill>
+                <a:srgbClr val="660033"/>
+              </a:solidFill>
+              <a:effectLst/>
+              <a:latin typeface="Microsoft JhengHei" panose="020B0604030504040204" pitchFamily="34" charset="-120"/>
+              <a:ea typeface="Microsoft JhengHei" panose="020B0604030504040204" pitchFamily="34" charset="-120"/>
+            </a:endParaRPr>
+          </a:p>
+        </p:txBody>
+      </p:sp>
     </p:spTree>
     <p:extLst>
       <p:ext uri="{BB962C8B-B14F-4D97-AF65-F5344CB8AC3E}">
-        <p14:creationId xmlns:p14="http://schemas.microsoft.com/office/powerpoint/2010/main" val="3983803681"/>
+        <p14:creationId xmlns:p14="http://schemas.microsoft.com/office/powerpoint/2010/main" val="2612484965"/>
       </p:ext>
     </p:extLst>
   </p:cSld>
@@ -3484,7 +3694,7 @@
         </p:nvSpPr>
         <p:spPr>
           <a:xfrm>
-            <a:off x="0" y="2084853"/>
+            <a:off x="0" y="2084854"/>
             <a:ext cx="12192000" cy="2404863"/>
           </a:xfrm>
         </p:spPr>
@@ -3529,12 +3739,83 @@
               </a:rPr>
               <a:t>新的故事  新的方向</a:t>
             </a:r>
-            <a:endParaRPr lang="zh-TW" altLang="en-US" sz="6400" b="1" dirty="0">
+          </a:p>
+        </p:txBody>
+      </p:sp>
+      <p:sp>
+        <p:nvSpPr>
+          <p:cNvPr id="3" name="TextBox 2"/>
+          <p:cNvSpPr txBox="1"/>
+          <p:nvPr/>
+        </p:nvSpPr>
+        <p:spPr>
+          <a:xfrm>
+            <a:off x="0" y="5253203"/>
+            <a:ext cx="12192000" cy="830997"/>
+          </a:xfrm>
+          <a:prstGeom prst="rect">
+            <a:avLst/>
+          </a:prstGeom>
+          <a:noFill/>
+        </p:spPr>
+        <p:txBody>
+          <a:bodyPr wrap="square" rtlCol="0">
+            <a:spAutoFit/>
+          </a:bodyPr>
+          <a:lstStyle/>
+          <a:p>
+            <a:pPr algn="ctr"/>
+            <a:r>
+              <a:rPr lang="en-US" sz="4800" b="1" dirty="0">
+                <a:solidFill>
+                  <a:srgbClr val="660033"/>
+                </a:solidFill>
+                <a:effectLst/>
+                <a:latin typeface="Microsoft JhengHei" panose="020B0604030504040204" pitchFamily="34" charset="-120"/>
+                <a:ea typeface="Microsoft JhengHei" panose="020B0604030504040204" pitchFamily="34" charset="-120"/>
+              </a:rPr>
+              <a:t>( </a:t>
+            </a:r>
+            <a:r>
+              <a:rPr lang="zh-CN" altLang="en-US" sz="4800" b="1" dirty="0">
+                <a:solidFill>
+                  <a:srgbClr val="660033"/>
+                </a:solidFill>
+                <a:effectLst/>
+                <a:latin typeface="Microsoft JhengHei" panose="020B0604030504040204" pitchFamily="34" charset="-120"/>
+                <a:ea typeface="Microsoft JhengHei" panose="020B0604030504040204" pitchFamily="34" charset="-120"/>
+              </a:rPr>
+              <a:t>正</a:t>
+            </a:r>
+            <a:r>
+              <a:rPr lang="en-US" sz="4800" b="1" dirty="0">
+                <a:solidFill>
+                  <a:srgbClr val="660033"/>
+                </a:solidFill>
+                <a:effectLst/>
+                <a:latin typeface="Microsoft JhengHei" panose="020B0604030504040204" pitchFamily="34" charset="-120"/>
+                <a:ea typeface="Microsoft JhengHei" panose="020B0604030504040204" pitchFamily="34" charset="-120"/>
+              </a:rPr>
+              <a:t> </a:t>
+            </a:r>
+            <a:r>
+              <a:rPr lang="en-US" sz="4800" b="1" dirty="0">
+                <a:solidFill>
+                  <a:srgbClr val="660033"/>
+                </a:solidFill>
+                <a:effectLst/>
+                <a:latin typeface="Microsoft JhengHei" panose="020B0604030504040204" pitchFamily="34" charset="-120"/>
+                <a:ea typeface="Microsoft JhengHei" panose="020B0604030504040204" pitchFamily="34" charset="-120"/>
+              </a:rPr>
+              <a:t>)</a:t>
+            </a:r>
+            <a:endParaRPr lang="vi-VN" sz="4800" b="1" dirty="0">
               <a:solidFill>
                 <a:srgbClr val="660033"/>
               </a:solidFill>
-              <a:latin typeface="微軟正黑體" pitchFamily="34" charset="-120"/>
-              <a:ea typeface="微軟正黑體" pitchFamily="34" charset="-120"/>
+              <a:effectLst/>
+              <a:latin typeface="Microsoft JhengHei" panose="020B0604030504040204" pitchFamily="34" charset="-120"/>
+              <a:ea typeface="Microsoft JhengHei" panose="020B0604030504040204" pitchFamily="34" charset="-120"/>
             </a:endParaRPr>
           </a:p>
         </p:txBody>
@@ -3542,7 +3823,7 @@
     </p:spTree>
     <p:extLst>
       <p:ext uri="{BB962C8B-B14F-4D97-AF65-F5344CB8AC3E}">
-        <p14:creationId xmlns:p14="http://schemas.microsoft.com/office/powerpoint/2010/main" val="2751810222"/>
+        <p14:creationId xmlns:p14="http://schemas.microsoft.com/office/powerpoint/2010/main" val="1134391951"/>
       </p:ext>
     </p:extLst>
   </p:cSld>
@@ -3581,7 +3862,7 @@
         </p:nvSpPr>
         <p:spPr>
           <a:xfrm>
-            <a:off x="0" y="2084853"/>
+            <a:off x="0" y="2084854"/>
             <a:ext cx="12192000" cy="2404863"/>
           </a:xfrm>
         </p:spPr>
@@ -3636,10 +3917,88 @@
           </a:p>
         </p:txBody>
       </p:sp>
+      <p:sp>
+        <p:nvSpPr>
+          <p:cNvPr id="3" name="TextBox 2"/>
+          <p:cNvSpPr txBox="1"/>
+          <p:nvPr/>
+        </p:nvSpPr>
+        <p:spPr>
+          <a:xfrm>
+            <a:off x="0" y="5253203"/>
+            <a:ext cx="12192000" cy="830997"/>
+          </a:xfrm>
+          <a:prstGeom prst="rect">
+            <a:avLst/>
+          </a:prstGeom>
+          <a:noFill/>
+        </p:spPr>
+        <p:txBody>
+          <a:bodyPr wrap="square" rtlCol="0">
+            <a:spAutoFit/>
+          </a:bodyPr>
+          <a:lstStyle/>
+          <a:p>
+            <a:pPr algn="ctr"/>
+            <a:r>
+              <a:rPr lang="en-US" sz="4800" b="1" dirty="0">
+                <a:solidFill>
+                  <a:srgbClr val="660033"/>
+                </a:solidFill>
+                <a:effectLst/>
+                <a:latin typeface="Microsoft JhengHei" panose="020B0604030504040204" pitchFamily="34" charset="-120"/>
+                <a:ea typeface="Microsoft JhengHei" panose="020B0604030504040204" pitchFamily="34" charset="-120"/>
+              </a:rPr>
+              <a:t>( </a:t>
+            </a:r>
+            <a:r>
+              <a:rPr lang="zh-CN" altLang="en-US" sz="4800" b="1" dirty="0">
+                <a:solidFill>
+                  <a:srgbClr val="660033"/>
+                </a:solidFill>
+                <a:effectLst/>
+                <a:latin typeface="Microsoft JhengHei" panose="020B0604030504040204" pitchFamily="34" charset="-120"/>
+                <a:ea typeface="Microsoft JhengHei" panose="020B0604030504040204" pitchFamily="34" charset="-120"/>
+              </a:rPr>
+              <a:t>副</a:t>
+            </a:r>
+            <a:r>
+              <a:rPr lang="en-US" sz="4800" b="1" dirty="0">
+                <a:solidFill>
+                  <a:srgbClr val="660033"/>
+                </a:solidFill>
+                <a:effectLst/>
+                <a:latin typeface="Microsoft JhengHei" panose="020B0604030504040204" pitchFamily="34" charset="-120"/>
+                <a:ea typeface="Microsoft JhengHei" panose="020B0604030504040204" pitchFamily="34" charset="-120"/>
+              </a:rPr>
+              <a:t> </a:t>
+            </a:r>
+            <a:r>
+              <a:rPr lang="en-US" sz="4800" b="1" dirty="0">
+                <a:solidFill>
+                  <a:srgbClr val="660033"/>
+                </a:solidFill>
+                <a:effectLst/>
+                <a:latin typeface="Microsoft JhengHei" panose="020B0604030504040204" pitchFamily="34" charset="-120"/>
+                <a:ea typeface="Microsoft JhengHei" panose="020B0604030504040204" pitchFamily="34" charset="-120"/>
+              </a:rPr>
+              <a:t>)</a:t>
+            </a:r>
+            <a:endParaRPr lang="vi-VN" sz="4800" b="1" dirty="0">
+              <a:solidFill>
+                <a:srgbClr val="660033"/>
+              </a:solidFill>
+              <a:effectLst/>
+              <a:latin typeface="Microsoft JhengHei" panose="020B0604030504040204" pitchFamily="34" charset="-120"/>
+              <a:ea typeface="Microsoft JhengHei" panose="020B0604030504040204" pitchFamily="34" charset="-120"/>
+            </a:endParaRPr>
+          </a:p>
+        </p:txBody>
+      </p:sp>
     </p:spTree>
     <p:extLst>
       <p:ext uri="{BB962C8B-B14F-4D97-AF65-F5344CB8AC3E}">
-        <p14:creationId xmlns:p14="http://schemas.microsoft.com/office/powerpoint/2010/main" val="720361329"/>
+        <p14:creationId xmlns:p14="http://schemas.microsoft.com/office/powerpoint/2010/main" val="3435058959"/>
       </p:ext>
     </p:extLst>
   </p:cSld>
@@ -3678,7 +4037,7 @@
         </p:nvSpPr>
         <p:spPr>
           <a:xfrm>
-            <a:off x="0" y="2084853"/>
+            <a:off x="0" y="2084854"/>
             <a:ext cx="12192000" cy="2404863"/>
           </a:xfrm>
         </p:spPr>
@@ -3723,12 +4082,83 @@
               </a:rPr>
               <a:t>神國度的榮耀彰顯</a:t>
             </a:r>
-            <a:endParaRPr lang="zh-TW" altLang="en-US" sz="6400" b="1" dirty="0">
+          </a:p>
+        </p:txBody>
+      </p:sp>
+      <p:sp>
+        <p:nvSpPr>
+          <p:cNvPr id="3" name="TextBox 2"/>
+          <p:cNvSpPr txBox="1"/>
+          <p:nvPr/>
+        </p:nvSpPr>
+        <p:spPr>
+          <a:xfrm>
+            <a:off x="0" y="5253203"/>
+            <a:ext cx="12192000" cy="830997"/>
+          </a:xfrm>
+          <a:prstGeom prst="rect">
+            <a:avLst/>
+          </a:prstGeom>
+          <a:noFill/>
+        </p:spPr>
+        <p:txBody>
+          <a:bodyPr wrap="square" rtlCol="0">
+            <a:spAutoFit/>
+          </a:bodyPr>
+          <a:lstStyle/>
+          <a:p>
+            <a:pPr algn="ctr"/>
+            <a:r>
+              <a:rPr lang="en-US" sz="4800" b="1" dirty="0">
+                <a:solidFill>
+                  <a:srgbClr val="660033"/>
+                </a:solidFill>
+                <a:effectLst/>
+                <a:latin typeface="Microsoft JhengHei" panose="020B0604030504040204" pitchFamily="34" charset="-120"/>
+                <a:ea typeface="Microsoft JhengHei" panose="020B0604030504040204" pitchFamily="34" charset="-120"/>
+              </a:rPr>
+              <a:t>( </a:t>
+            </a:r>
+            <a:r>
+              <a:rPr lang="zh-CN" altLang="en-US" sz="4800" b="1" dirty="0">
+                <a:solidFill>
+                  <a:srgbClr val="660033"/>
+                </a:solidFill>
+                <a:effectLst/>
+                <a:latin typeface="Microsoft JhengHei" panose="020B0604030504040204" pitchFamily="34" charset="-120"/>
+                <a:ea typeface="Microsoft JhengHei" panose="020B0604030504040204" pitchFamily="34" charset="-120"/>
+              </a:rPr>
+              <a:t>副</a:t>
+            </a:r>
+            <a:r>
+              <a:rPr lang="en-US" sz="4800" b="1" dirty="0">
+                <a:solidFill>
+                  <a:srgbClr val="660033"/>
+                </a:solidFill>
+                <a:effectLst/>
+                <a:latin typeface="Microsoft JhengHei" panose="020B0604030504040204" pitchFamily="34" charset="-120"/>
+                <a:ea typeface="Microsoft JhengHei" panose="020B0604030504040204" pitchFamily="34" charset="-120"/>
+              </a:rPr>
+              <a:t> </a:t>
+            </a:r>
+            <a:r>
+              <a:rPr lang="en-US" sz="4800" b="1" dirty="0">
+                <a:solidFill>
+                  <a:srgbClr val="660033"/>
+                </a:solidFill>
+                <a:effectLst/>
+                <a:latin typeface="Microsoft JhengHei" panose="020B0604030504040204" pitchFamily="34" charset="-120"/>
+                <a:ea typeface="Microsoft JhengHei" panose="020B0604030504040204" pitchFamily="34" charset="-120"/>
+              </a:rPr>
+              <a:t>)</a:t>
+            </a:r>
+            <a:endParaRPr lang="vi-VN" sz="4800" b="1" dirty="0">
               <a:solidFill>
                 <a:srgbClr val="660033"/>
               </a:solidFill>
-              <a:latin typeface="微軟正黑體" pitchFamily="34" charset="-120"/>
-              <a:ea typeface="微軟正黑體" pitchFamily="34" charset="-120"/>
+              <a:effectLst/>
+              <a:latin typeface="Microsoft JhengHei" panose="020B0604030504040204" pitchFamily="34" charset="-120"/>
+              <a:ea typeface="Microsoft JhengHei" panose="020B0604030504040204" pitchFamily="34" charset="-120"/>
             </a:endParaRPr>
           </a:p>
         </p:txBody>
@@ -3736,7 +4166,7 @@
     </p:spTree>
     <p:extLst>
       <p:ext uri="{BB962C8B-B14F-4D97-AF65-F5344CB8AC3E}">
-        <p14:creationId xmlns:p14="http://schemas.microsoft.com/office/powerpoint/2010/main" val="2825874258"/>
+        <p14:creationId xmlns:p14="http://schemas.microsoft.com/office/powerpoint/2010/main" val="609839001"/>
       </p:ext>
     </p:extLst>
   </p:cSld>
@@ -3775,7 +4205,7 @@
         </p:nvSpPr>
         <p:spPr>
           <a:xfrm>
-            <a:off x="0" y="2084853"/>
+            <a:off x="0" y="2084854"/>
             <a:ext cx="12192000" cy="2404863"/>
           </a:xfrm>
         </p:spPr>
@@ -3830,10 +4260,88 @@
           </a:p>
         </p:txBody>
       </p:sp>
+      <p:sp>
+        <p:nvSpPr>
+          <p:cNvPr id="3" name="TextBox 2"/>
+          <p:cNvSpPr txBox="1"/>
+          <p:nvPr/>
+        </p:nvSpPr>
+        <p:spPr>
+          <a:xfrm>
+            <a:off x="0" y="5253203"/>
+            <a:ext cx="12192000" cy="830997"/>
+          </a:xfrm>
+          <a:prstGeom prst="rect">
+            <a:avLst/>
+          </a:prstGeom>
+          <a:noFill/>
+        </p:spPr>
+        <p:txBody>
+          <a:bodyPr wrap="square" rtlCol="0">
+            <a:spAutoFit/>
+          </a:bodyPr>
+          <a:lstStyle/>
+          <a:p>
+            <a:pPr algn="ctr"/>
+            <a:r>
+              <a:rPr lang="en-US" sz="4800" b="1" dirty="0">
+                <a:solidFill>
+                  <a:srgbClr val="660033"/>
+                </a:solidFill>
+                <a:effectLst/>
+                <a:latin typeface="Microsoft JhengHei" panose="020B0604030504040204" pitchFamily="34" charset="-120"/>
+                <a:ea typeface="Microsoft JhengHei" panose="020B0604030504040204" pitchFamily="34" charset="-120"/>
+              </a:rPr>
+              <a:t>( </a:t>
+            </a:r>
+            <a:r>
+              <a:rPr lang="zh-CN" altLang="en-US" sz="4800" b="1" dirty="0">
+                <a:solidFill>
+                  <a:srgbClr val="660033"/>
+                </a:solidFill>
+                <a:effectLst/>
+                <a:latin typeface="Microsoft JhengHei" panose="020B0604030504040204" pitchFamily="34" charset="-120"/>
+                <a:ea typeface="Microsoft JhengHei" panose="020B0604030504040204" pitchFamily="34" charset="-120"/>
+              </a:rPr>
+              <a:t>副</a:t>
+            </a:r>
+            <a:r>
+              <a:rPr lang="en-US" sz="4800" b="1" dirty="0">
+                <a:solidFill>
+                  <a:srgbClr val="660033"/>
+                </a:solidFill>
+                <a:effectLst/>
+                <a:latin typeface="Microsoft JhengHei" panose="020B0604030504040204" pitchFamily="34" charset="-120"/>
+                <a:ea typeface="Microsoft JhengHei" panose="020B0604030504040204" pitchFamily="34" charset="-120"/>
+              </a:rPr>
+              <a:t> </a:t>
+            </a:r>
+            <a:r>
+              <a:rPr lang="en-US" sz="4800" b="1" dirty="0">
+                <a:solidFill>
+                  <a:srgbClr val="660033"/>
+                </a:solidFill>
+                <a:effectLst/>
+                <a:latin typeface="Microsoft JhengHei" panose="020B0604030504040204" pitchFamily="34" charset="-120"/>
+                <a:ea typeface="Microsoft JhengHei" panose="020B0604030504040204" pitchFamily="34" charset="-120"/>
+              </a:rPr>
+              <a:t>)</a:t>
+            </a:r>
+            <a:endParaRPr lang="vi-VN" sz="4800" b="1" dirty="0">
+              <a:solidFill>
+                <a:srgbClr val="660033"/>
+              </a:solidFill>
+              <a:effectLst/>
+              <a:latin typeface="Microsoft JhengHei" panose="020B0604030504040204" pitchFamily="34" charset="-120"/>
+              <a:ea typeface="Microsoft JhengHei" panose="020B0604030504040204" pitchFamily="34" charset="-120"/>
+            </a:endParaRPr>
+          </a:p>
+        </p:txBody>
+      </p:sp>
     </p:spTree>
     <p:extLst>
       <p:ext uri="{BB962C8B-B14F-4D97-AF65-F5344CB8AC3E}">
-        <p14:creationId xmlns:p14="http://schemas.microsoft.com/office/powerpoint/2010/main" val="758630743"/>
+        <p14:creationId xmlns:p14="http://schemas.microsoft.com/office/powerpoint/2010/main" val="2513616849"/>
       </p:ext>
     </p:extLst>
   </p:cSld>
@@ -3872,7 +4380,7 @@
         </p:nvSpPr>
         <p:spPr>
           <a:xfrm>
-            <a:off x="0" y="2084853"/>
+            <a:off x="0" y="2084854"/>
             <a:ext cx="12192000" cy="2404863"/>
           </a:xfrm>
         </p:spPr>
@@ -3917,12 +4425,83 @@
               </a:rPr>
               <a:t>祢要做新的事在我們中間</a:t>
             </a:r>
-            <a:endParaRPr lang="zh-TW" altLang="en-US" sz="6400" b="1" dirty="0">
+          </a:p>
+        </p:txBody>
+      </p:sp>
+      <p:sp>
+        <p:nvSpPr>
+          <p:cNvPr id="3" name="TextBox 2"/>
+          <p:cNvSpPr txBox="1"/>
+          <p:nvPr/>
+        </p:nvSpPr>
+        <p:spPr>
+          <a:xfrm>
+            <a:off x="0" y="5253203"/>
+            <a:ext cx="12192000" cy="830997"/>
+          </a:xfrm>
+          <a:prstGeom prst="rect">
+            <a:avLst/>
+          </a:prstGeom>
+          <a:noFill/>
+        </p:spPr>
+        <p:txBody>
+          <a:bodyPr wrap="square" rtlCol="0">
+            <a:spAutoFit/>
+          </a:bodyPr>
+          <a:lstStyle/>
+          <a:p>
+            <a:pPr algn="ctr"/>
+            <a:r>
+              <a:rPr lang="en-US" sz="4800" b="1" dirty="0">
+                <a:solidFill>
+                  <a:srgbClr val="660033"/>
+                </a:solidFill>
+                <a:effectLst/>
+                <a:latin typeface="Microsoft JhengHei" panose="020B0604030504040204" pitchFamily="34" charset="-120"/>
+                <a:ea typeface="Microsoft JhengHei" panose="020B0604030504040204" pitchFamily="34" charset="-120"/>
+              </a:rPr>
+              <a:t>( </a:t>
+            </a:r>
+            <a:r>
+              <a:rPr lang="zh-CN" altLang="en-US" sz="4800" b="1" dirty="0">
+                <a:solidFill>
+                  <a:srgbClr val="660033"/>
+                </a:solidFill>
+                <a:effectLst/>
+                <a:latin typeface="Microsoft JhengHei" panose="020B0604030504040204" pitchFamily="34" charset="-120"/>
+                <a:ea typeface="Microsoft JhengHei" panose="020B0604030504040204" pitchFamily="34" charset="-120"/>
+              </a:rPr>
+              <a:t>副</a:t>
+            </a:r>
+            <a:r>
+              <a:rPr lang="en-US" sz="4800" b="1" dirty="0">
+                <a:solidFill>
+                  <a:srgbClr val="660033"/>
+                </a:solidFill>
+                <a:effectLst/>
+                <a:latin typeface="Microsoft JhengHei" panose="020B0604030504040204" pitchFamily="34" charset="-120"/>
+                <a:ea typeface="Microsoft JhengHei" panose="020B0604030504040204" pitchFamily="34" charset="-120"/>
+              </a:rPr>
+              <a:t> </a:t>
+            </a:r>
+            <a:r>
+              <a:rPr lang="en-US" sz="4800" b="1" dirty="0">
+                <a:solidFill>
+                  <a:srgbClr val="660033"/>
+                </a:solidFill>
+                <a:effectLst/>
+                <a:latin typeface="Microsoft JhengHei" panose="020B0604030504040204" pitchFamily="34" charset="-120"/>
+                <a:ea typeface="Microsoft JhengHei" panose="020B0604030504040204" pitchFamily="34" charset="-120"/>
+              </a:rPr>
+              <a:t>)</a:t>
+            </a:r>
+            <a:endParaRPr lang="vi-VN" sz="4800" b="1" dirty="0">
               <a:solidFill>
                 <a:srgbClr val="660033"/>
               </a:solidFill>
-              <a:latin typeface="微軟正黑體" pitchFamily="34" charset="-120"/>
-              <a:ea typeface="微軟正黑體" pitchFamily="34" charset="-120"/>
+              <a:effectLst/>
+              <a:latin typeface="Microsoft JhengHei" panose="020B0604030504040204" pitchFamily="34" charset="-120"/>
+              <a:ea typeface="Microsoft JhengHei" panose="020B0604030504040204" pitchFamily="34" charset="-120"/>
             </a:endParaRPr>
           </a:p>
         </p:txBody>
@@ -3930,7 +4509,7 @@
     </p:spTree>
     <p:extLst>
       <p:ext uri="{BB962C8B-B14F-4D97-AF65-F5344CB8AC3E}">
-        <p14:creationId xmlns:p14="http://schemas.microsoft.com/office/powerpoint/2010/main" val="1036057193"/>
+        <p14:creationId xmlns:p14="http://schemas.microsoft.com/office/powerpoint/2010/main" val="902625387"/>
       </p:ext>
     </p:extLst>
   </p:cSld>

--- a/新的異象新的方向(崇拜版).pptx
+++ b/新的異象新的方向(崇拜版).pptx
@@ -169,10 +169,9 @@
           <a:lstStyle/>
           <a:p>
             <a:r>
-              <a:rPr lang="zh-TW" altLang="en-US" smtClean="0"/>
+              <a:rPr lang="zh-TW" altLang="en-US"/>
               <a:t>按一下以編輯母片標題樣式</a:t>
             </a:r>
-            <a:endParaRPr lang="zh-TW" altLang="en-US"/>
           </a:p>
         </p:txBody>
       </p:sp>
@@ -288,10 +287,9 @@
           </a:lstStyle>
           <a:p>
             <a:r>
-              <a:rPr lang="zh-TW" altLang="en-US" smtClean="0"/>
+              <a:rPr lang="zh-TW" altLang="en-US"/>
               <a:t>按一下以編輯母片副標題樣式</a:t>
             </a:r>
-            <a:endParaRPr lang="zh-TW" altLang="en-US"/>
           </a:p>
         </p:txBody>
       </p:sp>
@@ -313,7 +311,7 @@
             <a:fld id="{FB8A5CCA-48C9-44B6-AD2F-BEE1D3EDC71B}" type="datetimeFigureOut">
               <a:rPr lang="zh-TW" altLang="en-US" smtClean="0"/>
               <a:pPr/>
-              <a:t>2022/1/27</a:t>
+              <a:t>2024/1/4</a:t>
             </a:fld>
             <a:endParaRPr lang="zh-TW" altLang="en-US"/>
           </a:p>
@@ -403,10 +401,9 @@
           <a:lstStyle/>
           <a:p>
             <a:r>
-              <a:rPr lang="zh-TW" altLang="en-US" smtClean="0"/>
+              <a:rPr lang="zh-TW" altLang="en-US"/>
               <a:t>按一下以編輯母片標題樣式</a:t>
             </a:r>
-            <a:endParaRPr lang="zh-TW" altLang="en-US"/>
           </a:p>
         </p:txBody>
       </p:sp>
@@ -427,38 +424,37 @@
           <a:p>
             <a:pPr lvl="0"/>
             <a:r>
-              <a:rPr lang="zh-TW" altLang="en-US" smtClean="0"/>
+              <a:rPr lang="zh-TW" altLang="en-US"/>
               <a:t>按一下以編輯母片文字樣式</a:t>
             </a:r>
           </a:p>
           <a:p>
             <a:pPr lvl="1"/>
             <a:r>
-              <a:rPr lang="zh-TW" altLang="en-US" smtClean="0"/>
+              <a:rPr lang="zh-TW" altLang="en-US"/>
               <a:t>第二層</a:t>
             </a:r>
           </a:p>
           <a:p>
             <a:pPr lvl="2"/>
             <a:r>
-              <a:rPr lang="zh-TW" altLang="en-US" smtClean="0"/>
+              <a:rPr lang="zh-TW" altLang="en-US"/>
               <a:t>第三層</a:t>
             </a:r>
           </a:p>
           <a:p>
             <a:pPr lvl="3"/>
             <a:r>
-              <a:rPr lang="zh-TW" altLang="en-US" smtClean="0"/>
+              <a:rPr lang="zh-TW" altLang="en-US"/>
               <a:t>第四層</a:t>
             </a:r>
           </a:p>
           <a:p>
             <a:pPr lvl="4"/>
             <a:r>
-              <a:rPr lang="zh-TW" altLang="en-US" smtClean="0"/>
+              <a:rPr lang="zh-TW" altLang="en-US"/>
               <a:t>第五層</a:t>
             </a:r>
-            <a:endParaRPr lang="zh-TW" altLang="en-US"/>
           </a:p>
         </p:txBody>
       </p:sp>
@@ -480,7 +476,7 @@
             <a:fld id="{FB8A5CCA-48C9-44B6-AD2F-BEE1D3EDC71B}" type="datetimeFigureOut">
               <a:rPr lang="zh-TW" altLang="en-US" smtClean="0"/>
               <a:pPr/>
-              <a:t>2022/1/27</a:t>
+              <a:t>2024/1/4</a:t>
             </a:fld>
             <a:endParaRPr lang="zh-TW" altLang="en-US"/>
           </a:p>
@@ -575,10 +571,9 @@
           <a:lstStyle/>
           <a:p>
             <a:r>
-              <a:rPr lang="zh-TW" altLang="en-US" smtClean="0"/>
+              <a:rPr lang="zh-TW" altLang="en-US"/>
               <a:t>按一下以編輯母片標題樣式</a:t>
             </a:r>
-            <a:endParaRPr lang="zh-TW" altLang="en-US"/>
           </a:p>
         </p:txBody>
       </p:sp>
@@ -604,38 +599,37 @@
           <a:p>
             <a:pPr lvl="0"/>
             <a:r>
-              <a:rPr lang="zh-TW" altLang="en-US" smtClean="0"/>
+              <a:rPr lang="zh-TW" altLang="en-US"/>
               <a:t>按一下以編輯母片文字樣式</a:t>
             </a:r>
           </a:p>
           <a:p>
             <a:pPr lvl="1"/>
             <a:r>
-              <a:rPr lang="zh-TW" altLang="en-US" smtClean="0"/>
+              <a:rPr lang="zh-TW" altLang="en-US"/>
               <a:t>第二層</a:t>
             </a:r>
           </a:p>
           <a:p>
             <a:pPr lvl="2"/>
             <a:r>
-              <a:rPr lang="zh-TW" altLang="en-US" smtClean="0"/>
+              <a:rPr lang="zh-TW" altLang="en-US"/>
               <a:t>第三層</a:t>
             </a:r>
           </a:p>
           <a:p>
             <a:pPr lvl="3"/>
             <a:r>
-              <a:rPr lang="zh-TW" altLang="en-US" smtClean="0"/>
+              <a:rPr lang="zh-TW" altLang="en-US"/>
               <a:t>第四層</a:t>
             </a:r>
           </a:p>
           <a:p>
             <a:pPr lvl="4"/>
             <a:r>
-              <a:rPr lang="zh-TW" altLang="en-US" smtClean="0"/>
+              <a:rPr lang="zh-TW" altLang="en-US"/>
               <a:t>第五層</a:t>
             </a:r>
-            <a:endParaRPr lang="zh-TW" altLang="en-US"/>
           </a:p>
         </p:txBody>
       </p:sp>
@@ -657,7 +651,7 @@
             <a:fld id="{FB8A5CCA-48C9-44B6-AD2F-BEE1D3EDC71B}" type="datetimeFigureOut">
               <a:rPr lang="zh-TW" altLang="en-US" smtClean="0"/>
               <a:pPr/>
-              <a:t>2022/1/27</a:t>
+              <a:t>2024/1/4</a:t>
             </a:fld>
             <a:endParaRPr lang="zh-TW" altLang="en-US"/>
           </a:p>
@@ -747,10 +741,9 @@
           <a:lstStyle/>
           <a:p>
             <a:r>
-              <a:rPr lang="zh-TW" altLang="en-US" smtClean="0"/>
+              <a:rPr lang="zh-TW" altLang="en-US"/>
               <a:t>按一下以編輯母片標題樣式</a:t>
             </a:r>
-            <a:endParaRPr lang="zh-TW" altLang="en-US"/>
           </a:p>
         </p:txBody>
       </p:sp>
@@ -771,38 +764,37 @@
           <a:p>
             <a:pPr lvl="0"/>
             <a:r>
-              <a:rPr lang="zh-TW" altLang="en-US" smtClean="0"/>
+              <a:rPr lang="zh-TW" altLang="en-US"/>
               <a:t>按一下以編輯母片文字樣式</a:t>
             </a:r>
           </a:p>
           <a:p>
             <a:pPr lvl="1"/>
             <a:r>
-              <a:rPr lang="zh-TW" altLang="en-US" smtClean="0"/>
+              <a:rPr lang="zh-TW" altLang="en-US"/>
               <a:t>第二層</a:t>
             </a:r>
           </a:p>
           <a:p>
             <a:pPr lvl="2"/>
             <a:r>
-              <a:rPr lang="zh-TW" altLang="en-US" smtClean="0"/>
+              <a:rPr lang="zh-TW" altLang="en-US"/>
               <a:t>第三層</a:t>
             </a:r>
           </a:p>
           <a:p>
             <a:pPr lvl="3"/>
             <a:r>
-              <a:rPr lang="zh-TW" altLang="en-US" smtClean="0"/>
+              <a:rPr lang="zh-TW" altLang="en-US"/>
               <a:t>第四層</a:t>
             </a:r>
           </a:p>
           <a:p>
             <a:pPr lvl="4"/>
             <a:r>
-              <a:rPr lang="zh-TW" altLang="en-US" smtClean="0"/>
+              <a:rPr lang="zh-TW" altLang="en-US"/>
               <a:t>第五層</a:t>
             </a:r>
-            <a:endParaRPr lang="zh-TW" altLang="en-US"/>
           </a:p>
         </p:txBody>
       </p:sp>
@@ -824,7 +816,7 @@
             <a:fld id="{FB8A5CCA-48C9-44B6-AD2F-BEE1D3EDC71B}" type="datetimeFigureOut">
               <a:rPr lang="zh-TW" altLang="en-US" smtClean="0"/>
               <a:pPr/>
-              <a:t>2022/1/27</a:t>
+              <a:t>2024/1/4</a:t>
             </a:fld>
             <a:endParaRPr lang="zh-TW" altLang="en-US"/>
           </a:p>
@@ -923,10 +915,9 @@
           </a:lstStyle>
           <a:p>
             <a:r>
-              <a:rPr lang="zh-TW" altLang="en-US" smtClean="0"/>
+              <a:rPr lang="zh-TW" altLang="en-US"/>
               <a:t>按一下以編輯母片標題樣式</a:t>
             </a:r>
-            <a:endParaRPr lang="zh-TW" altLang="en-US"/>
           </a:p>
         </p:txBody>
       </p:sp>
@@ -1043,7 +1034,7 @@
           <a:p>
             <a:pPr lvl="0"/>
             <a:r>
-              <a:rPr lang="zh-TW" altLang="en-US" smtClean="0"/>
+              <a:rPr lang="zh-TW" altLang="en-US"/>
               <a:t>按一下以編輯母片文字樣式</a:t>
             </a:r>
           </a:p>
@@ -1067,7 +1058,7 @@
             <a:fld id="{FB8A5CCA-48C9-44B6-AD2F-BEE1D3EDC71B}" type="datetimeFigureOut">
               <a:rPr lang="zh-TW" altLang="en-US" smtClean="0"/>
               <a:pPr/>
-              <a:t>2022/1/27</a:t>
+              <a:t>2024/1/4</a:t>
             </a:fld>
             <a:endParaRPr lang="zh-TW" altLang="en-US"/>
           </a:p>
@@ -1157,10 +1148,9 @@
           <a:lstStyle/>
           <a:p>
             <a:r>
-              <a:rPr lang="zh-TW" altLang="en-US" smtClean="0"/>
+              <a:rPr lang="zh-TW" altLang="en-US"/>
               <a:t>按一下以編輯母片標題樣式</a:t>
             </a:r>
-            <a:endParaRPr lang="zh-TW" altLang="en-US"/>
           </a:p>
         </p:txBody>
       </p:sp>
@@ -1214,38 +1204,37 @@
           <a:p>
             <a:pPr lvl="0"/>
             <a:r>
-              <a:rPr lang="zh-TW" altLang="en-US" smtClean="0"/>
+              <a:rPr lang="zh-TW" altLang="en-US"/>
               <a:t>按一下以編輯母片文字樣式</a:t>
             </a:r>
           </a:p>
           <a:p>
             <a:pPr lvl="1"/>
             <a:r>
-              <a:rPr lang="zh-TW" altLang="en-US" smtClean="0"/>
+              <a:rPr lang="zh-TW" altLang="en-US"/>
               <a:t>第二層</a:t>
             </a:r>
           </a:p>
           <a:p>
             <a:pPr lvl="2"/>
             <a:r>
-              <a:rPr lang="zh-TW" altLang="en-US" smtClean="0"/>
+              <a:rPr lang="zh-TW" altLang="en-US"/>
               <a:t>第三層</a:t>
             </a:r>
           </a:p>
           <a:p>
             <a:pPr lvl="3"/>
             <a:r>
-              <a:rPr lang="zh-TW" altLang="en-US" smtClean="0"/>
+              <a:rPr lang="zh-TW" altLang="en-US"/>
               <a:t>第四層</a:t>
             </a:r>
           </a:p>
           <a:p>
             <a:pPr lvl="4"/>
             <a:r>
-              <a:rPr lang="zh-TW" altLang="en-US" smtClean="0"/>
+              <a:rPr lang="zh-TW" altLang="en-US"/>
               <a:t>第五層</a:t>
             </a:r>
-            <a:endParaRPr lang="zh-TW" altLang="en-US"/>
           </a:p>
         </p:txBody>
       </p:sp>
@@ -1299,38 +1288,37 @@
           <a:p>
             <a:pPr lvl="0"/>
             <a:r>
-              <a:rPr lang="zh-TW" altLang="en-US" smtClean="0"/>
+              <a:rPr lang="zh-TW" altLang="en-US"/>
               <a:t>按一下以編輯母片文字樣式</a:t>
             </a:r>
           </a:p>
           <a:p>
             <a:pPr lvl="1"/>
             <a:r>
-              <a:rPr lang="zh-TW" altLang="en-US" smtClean="0"/>
+              <a:rPr lang="zh-TW" altLang="en-US"/>
               <a:t>第二層</a:t>
             </a:r>
           </a:p>
           <a:p>
             <a:pPr lvl="2"/>
             <a:r>
-              <a:rPr lang="zh-TW" altLang="en-US" smtClean="0"/>
+              <a:rPr lang="zh-TW" altLang="en-US"/>
               <a:t>第三層</a:t>
             </a:r>
           </a:p>
           <a:p>
             <a:pPr lvl="3"/>
             <a:r>
-              <a:rPr lang="zh-TW" altLang="en-US" smtClean="0"/>
+              <a:rPr lang="zh-TW" altLang="en-US"/>
               <a:t>第四層</a:t>
             </a:r>
           </a:p>
           <a:p>
             <a:pPr lvl="4"/>
             <a:r>
-              <a:rPr lang="zh-TW" altLang="en-US" smtClean="0"/>
+              <a:rPr lang="zh-TW" altLang="en-US"/>
               <a:t>第五層</a:t>
             </a:r>
-            <a:endParaRPr lang="zh-TW" altLang="en-US"/>
           </a:p>
         </p:txBody>
       </p:sp>
@@ -1352,7 +1340,7 @@
             <a:fld id="{FB8A5CCA-48C9-44B6-AD2F-BEE1D3EDC71B}" type="datetimeFigureOut">
               <a:rPr lang="zh-TW" altLang="en-US" smtClean="0"/>
               <a:pPr/>
-              <a:t>2022/1/27</a:t>
+              <a:t>2024/1/4</a:t>
             </a:fld>
             <a:endParaRPr lang="zh-TW" altLang="en-US"/>
           </a:p>
@@ -1446,10 +1434,9 @@
           </a:lstStyle>
           <a:p>
             <a:r>
-              <a:rPr lang="zh-TW" altLang="en-US" smtClean="0"/>
+              <a:rPr lang="zh-TW" altLang="en-US"/>
               <a:t>按一下以編輯母片標題樣式</a:t>
             </a:r>
-            <a:endParaRPr lang="zh-TW" altLang="en-US"/>
           </a:p>
         </p:txBody>
       </p:sp>
@@ -1512,7 +1499,7 @@
           <a:p>
             <a:pPr lvl="0"/>
             <a:r>
-              <a:rPr lang="zh-TW" altLang="en-US" smtClean="0"/>
+              <a:rPr lang="zh-TW" altLang="en-US"/>
               <a:t>按一下以編輯母片文字樣式</a:t>
             </a:r>
           </a:p>
@@ -1568,38 +1555,37 @@
           <a:p>
             <a:pPr lvl="0"/>
             <a:r>
-              <a:rPr lang="zh-TW" altLang="en-US" smtClean="0"/>
+              <a:rPr lang="zh-TW" altLang="en-US"/>
               <a:t>按一下以編輯母片文字樣式</a:t>
             </a:r>
           </a:p>
           <a:p>
             <a:pPr lvl="1"/>
             <a:r>
-              <a:rPr lang="zh-TW" altLang="en-US" smtClean="0"/>
+              <a:rPr lang="zh-TW" altLang="en-US"/>
               <a:t>第二層</a:t>
             </a:r>
           </a:p>
           <a:p>
             <a:pPr lvl="2"/>
             <a:r>
-              <a:rPr lang="zh-TW" altLang="en-US" smtClean="0"/>
+              <a:rPr lang="zh-TW" altLang="en-US"/>
               <a:t>第三層</a:t>
             </a:r>
           </a:p>
           <a:p>
             <a:pPr lvl="3"/>
             <a:r>
-              <a:rPr lang="zh-TW" altLang="en-US" smtClean="0"/>
+              <a:rPr lang="zh-TW" altLang="en-US"/>
               <a:t>第四層</a:t>
             </a:r>
           </a:p>
           <a:p>
             <a:pPr lvl="4"/>
             <a:r>
-              <a:rPr lang="zh-TW" altLang="en-US" smtClean="0"/>
+              <a:rPr lang="zh-TW" altLang="en-US"/>
               <a:t>第五層</a:t>
             </a:r>
-            <a:endParaRPr lang="zh-TW" altLang="en-US"/>
           </a:p>
         </p:txBody>
       </p:sp>
@@ -1662,7 +1648,7 @@
           <a:p>
             <a:pPr lvl="0"/>
             <a:r>
-              <a:rPr lang="zh-TW" altLang="en-US" smtClean="0"/>
+              <a:rPr lang="zh-TW" altLang="en-US"/>
               <a:t>按一下以編輯母片文字樣式</a:t>
             </a:r>
           </a:p>
@@ -1718,38 +1704,37 @@
           <a:p>
             <a:pPr lvl="0"/>
             <a:r>
-              <a:rPr lang="zh-TW" altLang="en-US" smtClean="0"/>
+              <a:rPr lang="zh-TW" altLang="en-US"/>
               <a:t>按一下以編輯母片文字樣式</a:t>
             </a:r>
           </a:p>
           <a:p>
             <a:pPr lvl="1"/>
             <a:r>
-              <a:rPr lang="zh-TW" altLang="en-US" smtClean="0"/>
+              <a:rPr lang="zh-TW" altLang="en-US"/>
               <a:t>第二層</a:t>
             </a:r>
           </a:p>
           <a:p>
             <a:pPr lvl="2"/>
             <a:r>
-              <a:rPr lang="zh-TW" altLang="en-US" smtClean="0"/>
+              <a:rPr lang="zh-TW" altLang="en-US"/>
               <a:t>第三層</a:t>
             </a:r>
           </a:p>
           <a:p>
             <a:pPr lvl="3"/>
             <a:r>
-              <a:rPr lang="zh-TW" altLang="en-US" smtClean="0"/>
+              <a:rPr lang="zh-TW" altLang="en-US"/>
               <a:t>第四層</a:t>
             </a:r>
           </a:p>
           <a:p>
             <a:pPr lvl="4"/>
             <a:r>
-              <a:rPr lang="zh-TW" altLang="en-US" smtClean="0"/>
+              <a:rPr lang="zh-TW" altLang="en-US"/>
               <a:t>第五層</a:t>
             </a:r>
-            <a:endParaRPr lang="zh-TW" altLang="en-US"/>
           </a:p>
         </p:txBody>
       </p:sp>
@@ -1771,7 +1756,7 @@
             <a:fld id="{FB8A5CCA-48C9-44B6-AD2F-BEE1D3EDC71B}" type="datetimeFigureOut">
               <a:rPr lang="zh-TW" altLang="en-US" smtClean="0"/>
               <a:pPr/>
-              <a:t>2022/1/27</a:t>
+              <a:t>2024/1/4</a:t>
             </a:fld>
             <a:endParaRPr lang="zh-TW" altLang="en-US"/>
           </a:p>
@@ -1861,10 +1846,9 @@
           <a:lstStyle/>
           <a:p>
             <a:r>
-              <a:rPr lang="zh-TW" altLang="en-US" smtClean="0"/>
+              <a:rPr lang="zh-TW" altLang="en-US"/>
               <a:t>按一下以編輯母片標題樣式</a:t>
             </a:r>
-            <a:endParaRPr lang="zh-TW" altLang="en-US"/>
           </a:p>
         </p:txBody>
       </p:sp>
@@ -1886,7 +1870,7 @@
             <a:fld id="{FB8A5CCA-48C9-44B6-AD2F-BEE1D3EDC71B}" type="datetimeFigureOut">
               <a:rPr lang="zh-TW" altLang="en-US" smtClean="0"/>
               <a:pPr/>
-              <a:t>2022/1/27</a:t>
+              <a:t>2024/1/4</a:t>
             </a:fld>
             <a:endParaRPr lang="zh-TW" altLang="en-US"/>
           </a:p>
@@ -1978,7 +1962,7 @@
             <a:fld id="{FB8A5CCA-48C9-44B6-AD2F-BEE1D3EDC71B}" type="datetimeFigureOut">
               <a:rPr lang="zh-TW" altLang="en-US" smtClean="0"/>
               <a:pPr/>
-              <a:t>2022/1/27</a:t>
+              <a:t>2024/1/4</a:t>
             </a:fld>
             <a:endParaRPr lang="zh-TW" altLang="en-US"/>
           </a:p>
@@ -2077,10 +2061,9 @@
           </a:lstStyle>
           <a:p>
             <a:r>
-              <a:rPr lang="zh-TW" altLang="en-US" smtClean="0"/>
+              <a:rPr lang="zh-TW" altLang="en-US"/>
               <a:t>按一下以編輯母片標題樣式</a:t>
             </a:r>
-            <a:endParaRPr lang="zh-TW" altLang="en-US"/>
           </a:p>
         </p:txBody>
       </p:sp>
@@ -2134,38 +2117,37 @@
           <a:p>
             <a:pPr lvl="0"/>
             <a:r>
-              <a:rPr lang="zh-TW" altLang="en-US" smtClean="0"/>
+              <a:rPr lang="zh-TW" altLang="en-US"/>
               <a:t>按一下以編輯母片文字樣式</a:t>
             </a:r>
           </a:p>
           <a:p>
             <a:pPr lvl="1"/>
             <a:r>
-              <a:rPr lang="zh-TW" altLang="en-US" smtClean="0"/>
+              <a:rPr lang="zh-TW" altLang="en-US"/>
               <a:t>第二層</a:t>
             </a:r>
           </a:p>
           <a:p>
             <a:pPr lvl="2"/>
             <a:r>
-              <a:rPr lang="zh-TW" altLang="en-US" smtClean="0"/>
+              <a:rPr lang="zh-TW" altLang="en-US"/>
               <a:t>第三層</a:t>
             </a:r>
           </a:p>
           <a:p>
             <a:pPr lvl="3"/>
             <a:r>
-              <a:rPr lang="zh-TW" altLang="en-US" smtClean="0"/>
+              <a:rPr lang="zh-TW" altLang="en-US"/>
               <a:t>第四層</a:t>
             </a:r>
           </a:p>
           <a:p>
             <a:pPr lvl="4"/>
             <a:r>
-              <a:rPr lang="zh-TW" altLang="en-US" smtClean="0"/>
+              <a:rPr lang="zh-TW" altLang="en-US"/>
               <a:t>第五層</a:t>
             </a:r>
-            <a:endParaRPr lang="zh-TW" altLang="en-US"/>
           </a:p>
         </p:txBody>
       </p:sp>
@@ -2228,7 +2210,7 @@
           <a:p>
             <a:pPr lvl="0"/>
             <a:r>
-              <a:rPr lang="zh-TW" altLang="en-US" smtClean="0"/>
+              <a:rPr lang="zh-TW" altLang="en-US"/>
               <a:t>按一下以編輯母片文字樣式</a:t>
             </a:r>
           </a:p>
@@ -2252,7 +2234,7 @@
             <a:fld id="{FB8A5CCA-48C9-44B6-AD2F-BEE1D3EDC71B}" type="datetimeFigureOut">
               <a:rPr lang="zh-TW" altLang="en-US" smtClean="0"/>
               <a:pPr/>
-              <a:t>2022/1/27</a:t>
+              <a:t>2024/1/4</a:t>
             </a:fld>
             <a:endParaRPr lang="zh-TW" altLang="en-US"/>
           </a:p>
@@ -2351,10 +2333,9 @@
           </a:lstStyle>
           <a:p>
             <a:r>
-              <a:rPr lang="zh-TW" altLang="en-US" smtClean="0"/>
+              <a:rPr lang="zh-TW" altLang="en-US"/>
               <a:t>按一下以編輯母片標題樣式</a:t>
             </a:r>
-            <a:endParaRPr lang="zh-TW" altLang="en-US"/>
           </a:p>
         </p:txBody>
       </p:sp>
@@ -2416,10 +2397,9 @@
           </a:lstStyle>
           <a:p>
             <a:r>
-              <a:rPr lang="zh-TW" altLang="en-US" smtClean="0"/>
+              <a:rPr lang="zh-TW" altLang="en-US"/>
               <a:t>按一下圖示以新增圖片</a:t>
             </a:r>
-            <a:endParaRPr lang="zh-TW" altLang="en-US"/>
           </a:p>
         </p:txBody>
       </p:sp>
@@ -2482,7 +2462,7 @@
           <a:p>
             <a:pPr lvl="0"/>
             <a:r>
-              <a:rPr lang="zh-TW" altLang="en-US" smtClean="0"/>
+              <a:rPr lang="zh-TW" altLang="en-US"/>
               <a:t>按一下以編輯母片文字樣式</a:t>
             </a:r>
           </a:p>
@@ -2506,7 +2486,7 @@
             <a:fld id="{FB8A5CCA-48C9-44B6-AD2F-BEE1D3EDC71B}" type="datetimeFigureOut">
               <a:rPr lang="zh-TW" altLang="en-US" smtClean="0"/>
               <a:pPr/>
-              <a:t>2022/1/27</a:t>
+              <a:t>2024/1/4</a:t>
             </a:fld>
             <a:endParaRPr lang="zh-TW" altLang="en-US"/>
           </a:p>
@@ -2616,10 +2596,9 @@
           <a:lstStyle/>
           <a:p>
             <a:r>
-              <a:rPr lang="zh-TW" altLang="en-US" smtClean="0"/>
+              <a:rPr lang="zh-TW" altLang="en-US"/>
               <a:t>按一下以編輯母片標題樣式</a:t>
             </a:r>
-            <a:endParaRPr lang="zh-TW" altLang="en-US"/>
           </a:p>
         </p:txBody>
       </p:sp>
@@ -2650,38 +2629,37 @@
           <a:p>
             <a:pPr lvl="0"/>
             <a:r>
-              <a:rPr lang="zh-TW" altLang="en-US" smtClean="0"/>
+              <a:rPr lang="zh-TW" altLang="en-US"/>
               <a:t>按一下以編輯母片文字樣式</a:t>
             </a:r>
           </a:p>
           <a:p>
             <a:pPr lvl="1"/>
             <a:r>
-              <a:rPr lang="zh-TW" altLang="en-US" smtClean="0"/>
+              <a:rPr lang="zh-TW" altLang="en-US"/>
               <a:t>第二層</a:t>
             </a:r>
           </a:p>
           <a:p>
             <a:pPr lvl="2"/>
             <a:r>
-              <a:rPr lang="zh-TW" altLang="en-US" smtClean="0"/>
+              <a:rPr lang="zh-TW" altLang="en-US"/>
               <a:t>第三層</a:t>
             </a:r>
           </a:p>
           <a:p>
             <a:pPr lvl="3"/>
             <a:r>
-              <a:rPr lang="zh-TW" altLang="en-US" smtClean="0"/>
+              <a:rPr lang="zh-TW" altLang="en-US"/>
               <a:t>第四層</a:t>
             </a:r>
           </a:p>
           <a:p>
             <a:pPr lvl="4"/>
             <a:r>
-              <a:rPr lang="zh-TW" altLang="en-US" smtClean="0"/>
+              <a:rPr lang="zh-TW" altLang="en-US"/>
               <a:t>第五層</a:t>
             </a:r>
-            <a:endParaRPr lang="zh-TW" altLang="en-US"/>
           </a:p>
         </p:txBody>
       </p:sp>
@@ -2721,7 +2699,7 @@
             <a:fld id="{FB8A5CCA-48C9-44B6-AD2F-BEE1D3EDC71B}" type="datetimeFigureOut">
               <a:rPr lang="zh-TW" altLang="en-US" smtClean="0"/>
               <a:pPr/>
-              <a:t>2022/1/27</a:t>
+              <a:t>2024/1/4</a:t>
             </a:fld>
             <a:endParaRPr lang="zh-TW" altLang="en-US"/>
           </a:p>
@@ -3104,7 +3082,7 @@
         </p:nvSpPr>
         <p:spPr>
           <a:xfrm>
-            <a:off x="0" y="2857513"/>
+            <a:off x="0" y="2636912"/>
             <a:ext cx="12192000" cy="1143000"/>
           </a:xfrm>
         </p:spPr>
@@ -3240,7 +3218,7 @@
         <p:spPr>
           <a:xfrm>
             <a:off x="0" y="5253203"/>
-            <a:ext cx="12192000" cy="830997"/>
+            <a:ext cx="12192000" cy="646331"/>
           </a:xfrm>
           <a:prstGeom prst="rect">
             <a:avLst/>
@@ -3255,7 +3233,7 @@
           <a:p>
             <a:pPr algn="ctr"/>
             <a:r>
-              <a:rPr lang="en-US" sz="4800" b="1" dirty="0">
+              <a:rPr lang="en-US" sz="3600" b="1" dirty="0">
                 <a:solidFill>
                   <a:srgbClr val="660033"/>
                 </a:solidFill>
@@ -3266,7 +3244,7 @@
               <a:t>( </a:t>
             </a:r>
             <a:r>
-              <a:rPr lang="zh-CN" altLang="en-US" sz="4800" b="1" dirty="0">
+              <a:rPr lang="zh-CN" altLang="en-US" sz="3600" b="1" dirty="0">
                 <a:solidFill>
                   <a:srgbClr val="660033"/>
                 </a:solidFill>
@@ -3274,10 +3252,10 @@
                 <a:latin typeface="Microsoft JhengHei" panose="020B0604030504040204" pitchFamily="34" charset="-120"/>
                 <a:ea typeface="Microsoft JhengHei" panose="020B0604030504040204" pitchFamily="34" charset="-120"/>
               </a:rPr>
-              <a:t>正</a:t>
-            </a:r>
-            <a:r>
-              <a:rPr lang="en-US" sz="4800" b="1" dirty="0">
+              <a:t>正歌</a:t>
+            </a:r>
+            <a:r>
+              <a:rPr lang="en-US" sz="3600" b="1" dirty="0">
                 <a:solidFill>
                   <a:srgbClr val="660033"/>
                 </a:solidFill>
@@ -3285,20 +3263,9 @@
                 <a:latin typeface="Microsoft JhengHei" panose="020B0604030504040204" pitchFamily="34" charset="-120"/>
                 <a:ea typeface="Microsoft JhengHei" panose="020B0604030504040204" pitchFamily="34" charset="-120"/>
               </a:rPr>
-              <a:t> </a:t>
-            </a:r>
-            <a:r>
-              <a:rPr lang="en-US" sz="4800" b="1" dirty="0">
-                <a:solidFill>
-                  <a:srgbClr val="660033"/>
-                </a:solidFill>
-                <a:effectLst/>
-                <a:latin typeface="Microsoft JhengHei" panose="020B0604030504040204" pitchFamily="34" charset="-120"/>
-                <a:ea typeface="Microsoft JhengHei" panose="020B0604030504040204" pitchFamily="34" charset="-120"/>
-              </a:rPr>
-              <a:t>)</a:t>
-            </a:r>
-            <a:endParaRPr lang="vi-VN" sz="4800" b="1" dirty="0">
+              <a:t> )</a:t>
+            </a:r>
+            <a:endParaRPr lang="vi-VN" sz="3600" b="1" dirty="0">
               <a:solidFill>
                 <a:srgbClr val="660033"/>
               </a:solidFill>
@@ -3408,7 +3375,7 @@
         <p:spPr>
           <a:xfrm>
             <a:off x="0" y="5253203"/>
-            <a:ext cx="12192000" cy="830997"/>
+            <a:ext cx="12192000" cy="646331"/>
           </a:xfrm>
           <a:prstGeom prst="rect">
             <a:avLst/>
@@ -3423,55 +3390,39 @@
           <a:p>
             <a:pPr algn="ctr"/>
             <a:r>
-              <a:rPr lang="en-US" sz="4800" b="1" dirty="0">
+              <a:rPr lang="en-US" sz="3600" b="1" dirty="0">
                 <a:solidFill>
                   <a:srgbClr val="660033"/>
                 </a:solidFill>
-                <a:effectLst/>
                 <a:latin typeface="Microsoft JhengHei" panose="020B0604030504040204" pitchFamily="34" charset="-120"/>
                 <a:ea typeface="Microsoft JhengHei" panose="020B0604030504040204" pitchFamily="34" charset="-120"/>
               </a:rPr>
               <a:t>( </a:t>
             </a:r>
             <a:r>
-              <a:rPr lang="zh-CN" altLang="en-US" sz="4800" b="1" dirty="0">
+              <a:rPr lang="zh-CN" altLang="en-US" sz="3600" b="1" dirty="0">
                 <a:solidFill>
                   <a:srgbClr val="660033"/>
                 </a:solidFill>
-                <a:effectLst/>
                 <a:latin typeface="Microsoft JhengHei" panose="020B0604030504040204" pitchFamily="34" charset="-120"/>
                 <a:ea typeface="Microsoft JhengHei" panose="020B0604030504040204" pitchFamily="34" charset="-120"/>
               </a:rPr>
-              <a:t>正</a:t>
-            </a:r>
-            <a:r>
-              <a:rPr lang="en-US" sz="4800" b="1" dirty="0">
+              <a:t>正歌</a:t>
+            </a:r>
+            <a:r>
+              <a:rPr lang="en-US" sz="3600" b="1" dirty="0">
                 <a:solidFill>
                   <a:srgbClr val="660033"/>
                 </a:solidFill>
-                <a:effectLst/>
                 <a:latin typeface="Microsoft JhengHei" panose="020B0604030504040204" pitchFamily="34" charset="-120"/>
                 <a:ea typeface="Microsoft JhengHei" panose="020B0604030504040204" pitchFamily="34" charset="-120"/>
               </a:rPr>
-              <a:t> </a:t>
-            </a:r>
-            <a:r>
-              <a:rPr lang="en-US" sz="4800" b="1" dirty="0">
-                <a:solidFill>
-                  <a:srgbClr val="660033"/>
-                </a:solidFill>
-                <a:effectLst/>
-                <a:latin typeface="Microsoft JhengHei" panose="020B0604030504040204" pitchFamily="34" charset="-120"/>
-                <a:ea typeface="Microsoft JhengHei" panose="020B0604030504040204" pitchFamily="34" charset="-120"/>
-              </a:rPr>
-              <a:t>)</a:t>
-            </a:r>
-            <a:endParaRPr lang="vi-VN" sz="4800" b="1" dirty="0">
+              <a:t> )</a:t>
+            </a:r>
+            <a:endParaRPr lang="vi-VN" sz="3600" b="1" dirty="0">
               <a:solidFill>
                 <a:srgbClr val="660033"/>
               </a:solidFill>
-              <a:effectLst/>
-              <a:latin typeface="Microsoft JhengHei" panose="020B0604030504040204" pitchFamily="34" charset="-120"/>
               <a:ea typeface="Microsoft JhengHei" panose="020B0604030504040204" pitchFamily="34" charset="-120"/>
             </a:endParaRPr>
           </a:p>
@@ -3583,7 +3534,7 @@
         <p:spPr>
           <a:xfrm>
             <a:off x="0" y="5253203"/>
-            <a:ext cx="12192000" cy="830997"/>
+            <a:ext cx="12192000" cy="646331"/>
           </a:xfrm>
           <a:prstGeom prst="rect">
             <a:avLst/>
@@ -3598,55 +3549,39 @@
           <a:p>
             <a:pPr algn="ctr"/>
             <a:r>
-              <a:rPr lang="en-US" sz="4800" b="1" dirty="0">
+              <a:rPr lang="en-US" sz="3600" b="1" dirty="0">
                 <a:solidFill>
                   <a:srgbClr val="660033"/>
                 </a:solidFill>
-                <a:effectLst/>
                 <a:latin typeface="Microsoft JhengHei" panose="020B0604030504040204" pitchFamily="34" charset="-120"/>
                 <a:ea typeface="Microsoft JhengHei" panose="020B0604030504040204" pitchFamily="34" charset="-120"/>
               </a:rPr>
               <a:t>( </a:t>
             </a:r>
             <a:r>
-              <a:rPr lang="zh-CN" altLang="en-US" sz="4800" b="1" dirty="0">
+              <a:rPr lang="zh-CN" altLang="en-US" sz="3600" b="1" dirty="0">
                 <a:solidFill>
                   <a:srgbClr val="660033"/>
                 </a:solidFill>
-                <a:effectLst/>
                 <a:latin typeface="Microsoft JhengHei" panose="020B0604030504040204" pitchFamily="34" charset="-120"/>
                 <a:ea typeface="Microsoft JhengHei" panose="020B0604030504040204" pitchFamily="34" charset="-120"/>
               </a:rPr>
-              <a:t>正</a:t>
-            </a:r>
-            <a:r>
-              <a:rPr lang="en-US" sz="4800" b="1" dirty="0">
+              <a:t>正歌</a:t>
+            </a:r>
+            <a:r>
+              <a:rPr lang="en-US" sz="3600" b="1" dirty="0">
                 <a:solidFill>
                   <a:srgbClr val="660033"/>
                 </a:solidFill>
-                <a:effectLst/>
                 <a:latin typeface="Microsoft JhengHei" panose="020B0604030504040204" pitchFamily="34" charset="-120"/>
                 <a:ea typeface="Microsoft JhengHei" panose="020B0604030504040204" pitchFamily="34" charset="-120"/>
               </a:rPr>
-              <a:t> </a:t>
-            </a:r>
-            <a:r>
-              <a:rPr lang="en-US" sz="4800" b="1" dirty="0">
-                <a:solidFill>
-                  <a:srgbClr val="660033"/>
-                </a:solidFill>
-                <a:effectLst/>
-                <a:latin typeface="Microsoft JhengHei" panose="020B0604030504040204" pitchFamily="34" charset="-120"/>
-                <a:ea typeface="Microsoft JhengHei" panose="020B0604030504040204" pitchFamily="34" charset="-120"/>
-              </a:rPr>
-              <a:t>)</a:t>
-            </a:r>
-            <a:endParaRPr lang="vi-VN" sz="4800" b="1" dirty="0">
+              <a:t> )</a:t>
+            </a:r>
+            <a:endParaRPr lang="vi-VN" sz="3600" b="1" dirty="0">
               <a:solidFill>
                 <a:srgbClr val="660033"/>
               </a:solidFill>
-              <a:effectLst/>
-              <a:latin typeface="Microsoft JhengHei" panose="020B0604030504040204" pitchFamily="34" charset="-120"/>
               <a:ea typeface="Microsoft JhengHei" panose="020B0604030504040204" pitchFamily="34" charset="-120"/>
             </a:endParaRPr>
           </a:p>
@@ -3751,7 +3686,7 @@
         <p:spPr>
           <a:xfrm>
             <a:off x="0" y="5253203"/>
-            <a:ext cx="12192000" cy="830997"/>
+            <a:ext cx="12192000" cy="646331"/>
           </a:xfrm>
           <a:prstGeom prst="rect">
             <a:avLst/>
@@ -3766,55 +3701,39 @@
           <a:p>
             <a:pPr algn="ctr"/>
             <a:r>
-              <a:rPr lang="en-US" sz="4800" b="1" dirty="0">
+              <a:rPr lang="en-US" sz="3600" b="1" dirty="0">
                 <a:solidFill>
                   <a:srgbClr val="660033"/>
                 </a:solidFill>
-                <a:effectLst/>
                 <a:latin typeface="Microsoft JhengHei" panose="020B0604030504040204" pitchFamily="34" charset="-120"/>
                 <a:ea typeface="Microsoft JhengHei" panose="020B0604030504040204" pitchFamily="34" charset="-120"/>
               </a:rPr>
               <a:t>( </a:t>
             </a:r>
             <a:r>
-              <a:rPr lang="zh-CN" altLang="en-US" sz="4800" b="1" dirty="0">
+              <a:rPr lang="zh-CN" altLang="en-US" sz="3600" b="1" dirty="0">
                 <a:solidFill>
                   <a:srgbClr val="660033"/>
                 </a:solidFill>
-                <a:effectLst/>
                 <a:latin typeface="Microsoft JhengHei" panose="020B0604030504040204" pitchFamily="34" charset="-120"/>
                 <a:ea typeface="Microsoft JhengHei" panose="020B0604030504040204" pitchFamily="34" charset="-120"/>
               </a:rPr>
-              <a:t>正</a:t>
-            </a:r>
-            <a:r>
-              <a:rPr lang="en-US" sz="4800" b="1" dirty="0">
+              <a:t>正歌</a:t>
+            </a:r>
+            <a:r>
+              <a:rPr lang="en-US" sz="3600" b="1" dirty="0">
                 <a:solidFill>
                   <a:srgbClr val="660033"/>
                 </a:solidFill>
-                <a:effectLst/>
                 <a:latin typeface="Microsoft JhengHei" panose="020B0604030504040204" pitchFamily="34" charset="-120"/>
                 <a:ea typeface="Microsoft JhengHei" panose="020B0604030504040204" pitchFamily="34" charset="-120"/>
               </a:rPr>
-              <a:t> </a:t>
-            </a:r>
-            <a:r>
-              <a:rPr lang="en-US" sz="4800" b="1" dirty="0">
-                <a:solidFill>
-                  <a:srgbClr val="660033"/>
-                </a:solidFill>
-                <a:effectLst/>
-                <a:latin typeface="Microsoft JhengHei" panose="020B0604030504040204" pitchFamily="34" charset="-120"/>
-                <a:ea typeface="Microsoft JhengHei" panose="020B0604030504040204" pitchFamily="34" charset="-120"/>
-              </a:rPr>
-              <a:t>)</a:t>
-            </a:r>
-            <a:endParaRPr lang="vi-VN" sz="4800" b="1" dirty="0">
+              <a:t> )</a:t>
+            </a:r>
+            <a:endParaRPr lang="vi-VN" sz="3600" b="1" dirty="0">
               <a:solidFill>
                 <a:srgbClr val="660033"/>
               </a:solidFill>
-              <a:effectLst/>
-              <a:latin typeface="Microsoft JhengHei" panose="020B0604030504040204" pitchFamily="34" charset="-120"/>
               <a:ea typeface="Microsoft JhengHei" panose="020B0604030504040204" pitchFamily="34" charset="-120"/>
             </a:endParaRPr>
           </a:p>
@@ -3926,7 +3845,7 @@
         <p:spPr>
           <a:xfrm>
             <a:off x="0" y="5253203"/>
-            <a:ext cx="12192000" cy="830997"/>
+            <a:ext cx="12192000" cy="646331"/>
           </a:xfrm>
           <a:prstGeom prst="rect">
             <a:avLst/>
@@ -3941,55 +3860,39 @@
           <a:p>
             <a:pPr algn="ctr"/>
             <a:r>
-              <a:rPr lang="en-US" sz="4800" b="1" dirty="0">
+              <a:rPr lang="en-US" sz="3600" b="1" dirty="0">
                 <a:solidFill>
                   <a:srgbClr val="660033"/>
                 </a:solidFill>
-                <a:effectLst/>
                 <a:latin typeface="Microsoft JhengHei" panose="020B0604030504040204" pitchFamily="34" charset="-120"/>
                 <a:ea typeface="Microsoft JhengHei" panose="020B0604030504040204" pitchFamily="34" charset="-120"/>
               </a:rPr>
               <a:t>( </a:t>
             </a:r>
             <a:r>
-              <a:rPr lang="zh-CN" altLang="en-US" sz="4800" b="1" dirty="0">
+              <a:rPr lang="zh-CN" altLang="en-US" sz="3600" b="1" dirty="0">
                 <a:solidFill>
                   <a:srgbClr val="660033"/>
                 </a:solidFill>
-                <a:effectLst/>
                 <a:latin typeface="Microsoft JhengHei" panose="020B0604030504040204" pitchFamily="34" charset="-120"/>
                 <a:ea typeface="Microsoft JhengHei" panose="020B0604030504040204" pitchFamily="34" charset="-120"/>
               </a:rPr>
-              <a:t>副</a:t>
-            </a:r>
-            <a:r>
-              <a:rPr lang="en-US" sz="4800" b="1" dirty="0">
+              <a:t>副歌</a:t>
+            </a:r>
+            <a:r>
+              <a:rPr lang="en-US" sz="3600" b="1" dirty="0">
                 <a:solidFill>
                   <a:srgbClr val="660033"/>
                 </a:solidFill>
-                <a:effectLst/>
                 <a:latin typeface="Microsoft JhengHei" panose="020B0604030504040204" pitchFamily="34" charset="-120"/>
                 <a:ea typeface="Microsoft JhengHei" panose="020B0604030504040204" pitchFamily="34" charset="-120"/>
               </a:rPr>
-              <a:t> </a:t>
-            </a:r>
-            <a:r>
-              <a:rPr lang="en-US" sz="4800" b="1" dirty="0">
-                <a:solidFill>
-                  <a:srgbClr val="660033"/>
-                </a:solidFill>
-                <a:effectLst/>
-                <a:latin typeface="Microsoft JhengHei" panose="020B0604030504040204" pitchFamily="34" charset="-120"/>
-                <a:ea typeface="Microsoft JhengHei" panose="020B0604030504040204" pitchFamily="34" charset="-120"/>
-              </a:rPr>
-              <a:t>)</a:t>
-            </a:r>
-            <a:endParaRPr lang="vi-VN" sz="4800" b="1" dirty="0">
+              <a:t> )</a:t>
+            </a:r>
+            <a:endParaRPr lang="vi-VN" sz="3600" b="1" dirty="0">
               <a:solidFill>
                 <a:srgbClr val="660033"/>
               </a:solidFill>
-              <a:effectLst/>
-              <a:latin typeface="Microsoft JhengHei" panose="020B0604030504040204" pitchFamily="34" charset="-120"/>
               <a:ea typeface="Microsoft JhengHei" panose="020B0604030504040204" pitchFamily="34" charset="-120"/>
             </a:endParaRPr>
           </a:p>
@@ -4094,7 +3997,7 @@
         <p:spPr>
           <a:xfrm>
             <a:off x="0" y="5253203"/>
-            <a:ext cx="12192000" cy="830997"/>
+            <a:ext cx="12192000" cy="646331"/>
           </a:xfrm>
           <a:prstGeom prst="rect">
             <a:avLst/>
@@ -4109,55 +4012,39 @@
           <a:p>
             <a:pPr algn="ctr"/>
             <a:r>
-              <a:rPr lang="en-US" sz="4800" b="1" dirty="0">
+              <a:rPr lang="en-US" sz="3600" b="1" dirty="0">
                 <a:solidFill>
                   <a:srgbClr val="660033"/>
                 </a:solidFill>
-                <a:effectLst/>
                 <a:latin typeface="Microsoft JhengHei" panose="020B0604030504040204" pitchFamily="34" charset="-120"/>
                 <a:ea typeface="Microsoft JhengHei" panose="020B0604030504040204" pitchFamily="34" charset="-120"/>
               </a:rPr>
               <a:t>( </a:t>
             </a:r>
             <a:r>
-              <a:rPr lang="zh-CN" altLang="en-US" sz="4800" b="1" dirty="0">
+              <a:rPr lang="zh-CN" altLang="en-US" sz="3600" b="1" dirty="0">
                 <a:solidFill>
                   <a:srgbClr val="660033"/>
                 </a:solidFill>
-                <a:effectLst/>
                 <a:latin typeface="Microsoft JhengHei" panose="020B0604030504040204" pitchFamily="34" charset="-120"/>
                 <a:ea typeface="Microsoft JhengHei" panose="020B0604030504040204" pitchFamily="34" charset="-120"/>
               </a:rPr>
-              <a:t>副</a:t>
-            </a:r>
-            <a:r>
-              <a:rPr lang="en-US" sz="4800" b="1" dirty="0">
+              <a:t>副歌</a:t>
+            </a:r>
+            <a:r>
+              <a:rPr lang="en-US" sz="3600" b="1" dirty="0">
                 <a:solidFill>
                   <a:srgbClr val="660033"/>
                 </a:solidFill>
-                <a:effectLst/>
                 <a:latin typeface="Microsoft JhengHei" panose="020B0604030504040204" pitchFamily="34" charset="-120"/>
                 <a:ea typeface="Microsoft JhengHei" panose="020B0604030504040204" pitchFamily="34" charset="-120"/>
               </a:rPr>
-              <a:t> </a:t>
-            </a:r>
-            <a:r>
-              <a:rPr lang="en-US" sz="4800" b="1" dirty="0">
-                <a:solidFill>
-                  <a:srgbClr val="660033"/>
-                </a:solidFill>
-                <a:effectLst/>
-                <a:latin typeface="Microsoft JhengHei" panose="020B0604030504040204" pitchFamily="34" charset="-120"/>
-                <a:ea typeface="Microsoft JhengHei" panose="020B0604030504040204" pitchFamily="34" charset="-120"/>
-              </a:rPr>
-              <a:t>)</a:t>
-            </a:r>
-            <a:endParaRPr lang="vi-VN" sz="4800" b="1" dirty="0">
+              <a:t> )</a:t>
+            </a:r>
+            <a:endParaRPr lang="vi-VN" sz="3600" b="1" dirty="0">
               <a:solidFill>
                 <a:srgbClr val="660033"/>
               </a:solidFill>
-              <a:effectLst/>
-              <a:latin typeface="Microsoft JhengHei" panose="020B0604030504040204" pitchFamily="34" charset="-120"/>
               <a:ea typeface="Microsoft JhengHei" panose="020B0604030504040204" pitchFamily="34" charset="-120"/>
             </a:endParaRPr>
           </a:p>
@@ -4269,7 +4156,7 @@
         <p:spPr>
           <a:xfrm>
             <a:off x="0" y="5253203"/>
-            <a:ext cx="12192000" cy="830997"/>
+            <a:ext cx="12192000" cy="646331"/>
           </a:xfrm>
           <a:prstGeom prst="rect">
             <a:avLst/>
@@ -4284,55 +4171,39 @@
           <a:p>
             <a:pPr algn="ctr"/>
             <a:r>
-              <a:rPr lang="en-US" sz="4800" b="1" dirty="0">
+              <a:rPr lang="en-US" sz="3600" b="1" dirty="0">
                 <a:solidFill>
                   <a:srgbClr val="660033"/>
                 </a:solidFill>
-                <a:effectLst/>
                 <a:latin typeface="Microsoft JhengHei" panose="020B0604030504040204" pitchFamily="34" charset="-120"/>
                 <a:ea typeface="Microsoft JhengHei" panose="020B0604030504040204" pitchFamily="34" charset="-120"/>
               </a:rPr>
               <a:t>( </a:t>
             </a:r>
             <a:r>
-              <a:rPr lang="zh-CN" altLang="en-US" sz="4800" b="1" dirty="0">
+              <a:rPr lang="zh-CN" altLang="en-US" sz="3600" b="1" dirty="0">
                 <a:solidFill>
                   <a:srgbClr val="660033"/>
                 </a:solidFill>
-                <a:effectLst/>
                 <a:latin typeface="Microsoft JhengHei" panose="020B0604030504040204" pitchFamily="34" charset="-120"/>
                 <a:ea typeface="Microsoft JhengHei" panose="020B0604030504040204" pitchFamily="34" charset="-120"/>
               </a:rPr>
-              <a:t>副</a:t>
-            </a:r>
-            <a:r>
-              <a:rPr lang="en-US" sz="4800" b="1" dirty="0">
+              <a:t>副歌</a:t>
+            </a:r>
+            <a:r>
+              <a:rPr lang="en-US" sz="3600" b="1" dirty="0">
                 <a:solidFill>
                   <a:srgbClr val="660033"/>
                 </a:solidFill>
-                <a:effectLst/>
                 <a:latin typeface="Microsoft JhengHei" panose="020B0604030504040204" pitchFamily="34" charset="-120"/>
                 <a:ea typeface="Microsoft JhengHei" panose="020B0604030504040204" pitchFamily="34" charset="-120"/>
               </a:rPr>
-              <a:t> </a:t>
-            </a:r>
-            <a:r>
-              <a:rPr lang="en-US" sz="4800" b="1" dirty="0">
-                <a:solidFill>
-                  <a:srgbClr val="660033"/>
-                </a:solidFill>
-                <a:effectLst/>
-                <a:latin typeface="Microsoft JhengHei" panose="020B0604030504040204" pitchFamily="34" charset="-120"/>
-                <a:ea typeface="Microsoft JhengHei" panose="020B0604030504040204" pitchFamily="34" charset="-120"/>
-              </a:rPr>
-              <a:t>)</a:t>
-            </a:r>
-            <a:endParaRPr lang="vi-VN" sz="4800" b="1" dirty="0">
+              <a:t> )</a:t>
+            </a:r>
+            <a:endParaRPr lang="vi-VN" sz="3600" b="1" dirty="0">
               <a:solidFill>
                 <a:srgbClr val="660033"/>
               </a:solidFill>
-              <a:effectLst/>
-              <a:latin typeface="Microsoft JhengHei" panose="020B0604030504040204" pitchFamily="34" charset="-120"/>
               <a:ea typeface="Microsoft JhengHei" panose="020B0604030504040204" pitchFamily="34" charset="-120"/>
             </a:endParaRPr>
           </a:p>
@@ -4437,7 +4308,7 @@
         <p:spPr>
           <a:xfrm>
             <a:off x="0" y="5253203"/>
-            <a:ext cx="12192000" cy="830997"/>
+            <a:ext cx="12192000" cy="646331"/>
           </a:xfrm>
           <a:prstGeom prst="rect">
             <a:avLst/>
@@ -4452,55 +4323,39 @@
           <a:p>
             <a:pPr algn="ctr"/>
             <a:r>
-              <a:rPr lang="en-US" sz="4800" b="1" dirty="0">
+              <a:rPr lang="en-US" sz="3600" b="1" dirty="0">
                 <a:solidFill>
                   <a:srgbClr val="660033"/>
                 </a:solidFill>
-                <a:effectLst/>
                 <a:latin typeface="Microsoft JhengHei" panose="020B0604030504040204" pitchFamily="34" charset="-120"/>
                 <a:ea typeface="Microsoft JhengHei" panose="020B0604030504040204" pitchFamily="34" charset="-120"/>
               </a:rPr>
               <a:t>( </a:t>
             </a:r>
             <a:r>
-              <a:rPr lang="zh-CN" altLang="en-US" sz="4800" b="1" dirty="0">
+              <a:rPr lang="zh-CN" altLang="en-US" sz="3600" b="1" dirty="0">
                 <a:solidFill>
                   <a:srgbClr val="660033"/>
                 </a:solidFill>
-                <a:effectLst/>
                 <a:latin typeface="Microsoft JhengHei" panose="020B0604030504040204" pitchFamily="34" charset="-120"/>
                 <a:ea typeface="Microsoft JhengHei" panose="020B0604030504040204" pitchFamily="34" charset="-120"/>
               </a:rPr>
-              <a:t>副</a:t>
-            </a:r>
-            <a:r>
-              <a:rPr lang="en-US" sz="4800" b="1" dirty="0">
+              <a:t>副歌</a:t>
+            </a:r>
+            <a:r>
+              <a:rPr lang="en-US" sz="3600" b="1" dirty="0">
                 <a:solidFill>
                   <a:srgbClr val="660033"/>
                 </a:solidFill>
-                <a:effectLst/>
                 <a:latin typeface="Microsoft JhengHei" panose="020B0604030504040204" pitchFamily="34" charset="-120"/>
                 <a:ea typeface="Microsoft JhengHei" panose="020B0604030504040204" pitchFamily="34" charset="-120"/>
               </a:rPr>
-              <a:t> </a:t>
-            </a:r>
-            <a:r>
-              <a:rPr lang="en-US" sz="4800" b="1" dirty="0">
-                <a:solidFill>
-                  <a:srgbClr val="660033"/>
-                </a:solidFill>
-                <a:effectLst/>
-                <a:latin typeface="Microsoft JhengHei" panose="020B0604030504040204" pitchFamily="34" charset="-120"/>
-                <a:ea typeface="Microsoft JhengHei" panose="020B0604030504040204" pitchFamily="34" charset="-120"/>
-              </a:rPr>
-              <a:t>)</a:t>
-            </a:r>
-            <a:endParaRPr lang="vi-VN" sz="4800" b="1" dirty="0">
+              <a:t> )</a:t>
+            </a:r>
+            <a:endParaRPr lang="vi-VN" sz="3600" b="1" dirty="0">
               <a:solidFill>
                 <a:srgbClr val="660033"/>
               </a:solidFill>
-              <a:effectLst/>
-              <a:latin typeface="Microsoft JhengHei" panose="020B0604030504040204" pitchFamily="34" charset="-120"/>
               <a:ea typeface="Microsoft JhengHei" panose="020B0604030504040204" pitchFamily="34" charset="-120"/>
             </a:endParaRPr>
           </a:p>
